--- a/Project.pptx
+++ b/Project.pptx
@@ -12,6 +12,7 @@
     <p:sldId id="267" r:id="rId6"/>
     <p:sldId id="268" r:id="rId7"/>
     <p:sldId id="269" r:id="rId8"/>
+    <p:sldId id="270" r:id="rId9"/>
   </p:sldIdLst>
   <p:sldSz cx="9144000" cy="6858000" type="screen4x3"/>
   <p:notesSz cx="6858000" cy="9144000"/>
@@ -295,7 +296,7 @@
             <a:fld id="{5B106E36-FD25-4E2D-B0AA-010F637433A0}" type="datetimeFigureOut">
               <a:rPr lang="ru-RU" smtClean="0"/>
               <a:pPr/>
-              <a:t>07.05.2017</a:t>
+              <a:t>08.05.2017</a:t>
             </a:fld>
             <a:endParaRPr lang="ru-RU"/>
           </a:p>
@@ -462,7 +463,7 @@
             <a:fld id="{5B106E36-FD25-4E2D-B0AA-010F637433A0}" type="datetimeFigureOut">
               <a:rPr lang="ru-RU" smtClean="0"/>
               <a:pPr/>
-              <a:t>07.05.2017</a:t>
+              <a:t>08.05.2017</a:t>
             </a:fld>
             <a:endParaRPr lang="ru-RU"/>
           </a:p>
@@ -639,7 +640,7 @@
             <a:fld id="{5B106E36-FD25-4E2D-B0AA-010F637433A0}" type="datetimeFigureOut">
               <a:rPr lang="ru-RU" smtClean="0"/>
               <a:pPr/>
-              <a:t>07.05.2017</a:t>
+              <a:t>08.05.2017</a:t>
             </a:fld>
             <a:endParaRPr lang="ru-RU"/>
           </a:p>
@@ -806,7 +807,7 @@
             <a:fld id="{5B106E36-FD25-4E2D-B0AA-010F637433A0}" type="datetimeFigureOut">
               <a:rPr lang="ru-RU" smtClean="0"/>
               <a:pPr/>
-              <a:t>07.05.2017</a:t>
+              <a:t>08.05.2017</a:t>
             </a:fld>
             <a:endParaRPr lang="ru-RU"/>
           </a:p>
@@ -1049,7 +1050,7 @@
             <a:fld id="{5B106E36-FD25-4E2D-B0AA-010F637433A0}" type="datetimeFigureOut">
               <a:rPr lang="ru-RU" smtClean="0"/>
               <a:pPr/>
-              <a:t>07.05.2017</a:t>
+              <a:t>08.05.2017</a:t>
             </a:fld>
             <a:endParaRPr lang="ru-RU"/>
           </a:p>
@@ -1334,7 +1335,7 @@
             <a:fld id="{5B106E36-FD25-4E2D-B0AA-010F637433A0}" type="datetimeFigureOut">
               <a:rPr lang="ru-RU" smtClean="0"/>
               <a:pPr/>
-              <a:t>07.05.2017</a:t>
+              <a:t>08.05.2017</a:t>
             </a:fld>
             <a:endParaRPr lang="ru-RU"/>
           </a:p>
@@ -1753,7 +1754,7 @@
             <a:fld id="{5B106E36-FD25-4E2D-B0AA-010F637433A0}" type="datetimeFigureOut">
               <a:rPr lang="ru-RU" smtClean="0"/>
               <a:pPr/>
-              <a:t>07.05.2017</a:t>
+              <a:t>08.05.2017</a:t>
             </a:fld>
             <a:endParaRPr lang="ru-RU"/>
           </a:p>
@@ -1868,7 +1869,7 @@
             <a:fld id="{5B106E36-FD25-4E2D-B0AA-010F637433A0}" type="datetimeFigureOut">
               <a:rPr lang="ru-RU" smtClean="0"/>
               <a:pPr/>
-              <a:t>07.05.2017</a:t>
+              <a:t>08.05.2017</a:t>
             </a:fld>
             <a:endParaRPr lang="ru-RU"/>
           </a:p>
@@ -1960,7 +1961,7 @@
             <a:fld id="{5B106E36-FD25-4E2D-B0AA-010F637433A0}" type="datetimeFigureOut">
               <a:rPr lang="ru-RU" smtClean="0"/>
               <a:pPr/>
-              <a:t>07.05.2017</a:t>
+              <a:t>08.05.2017</a:t>
             </a:fld>
             <a:endParaRPr lang="ru-RU"/>
           </a:p>
@@ -2234,7 +2235,7 @@
             <a:fld id="{5B106E36-FD25-4E2D-B0AA-010F637433A0}" type="datetimeFigureOut">
               <a:rPr lang="ru-RU" smtClean="0"/>
               <a:pPr/>
-              <a:t>07.05.2017</a:t>
+              <a:t>08.05.2017</a:t>
             </a:fld>
             <a:endParaRPr lang="ru-RU"/>
           </a:p>
@@ -2484,7 +2485,7 @@
             <a:fld id="{5B106E36-FD25-4E2D-B0AA-010F637433A0}" type="datetimeFigureOut">
               <a:rPr lang="ru-RU" smtClean="0"/>
               <a:pPr/>
-              <a:t>07.05.2017</a:t>
+              <a:t>08.05.2017</a:t>
             </a:fld>
             <a:endParaRPr lang="ru-RU"/>
           </a:p>
@@ -2711,7 +2712,7 @@
             <a:fld id="{5B106E36-FD25-4E2D-B0AA-010F637433A0}" type="datetimeFigureOut">
               <a:rPr lang="ru-RU" smtClean="0"/>
               <a:pPr/>
-              <a:t>07.05.2017</a:t>
+              <a:t>08.05.2017</a:t>
             </a:fld>
             <a:endParaRPr lang="ru-RU"/>
           </a:p>
@@ -3106,11 +3107,7 @@
           <a:p>
             <a:r>
               <a:rPr lang="ru-RU" dirty="0" smtClean="0"/>
-              <a:t>Различные алгоритмы поиска лучшего хода на </a:t>
-            </a:r>
-            <a:r>
-              <a:rPr lang="ru-RU" dirty="0" smtClean="0"/>
-              <a:t>примере игры “русские шашки”</a:t>
+              <a:t>Различные алгоритмы поиска лучшего хода на примере игры “русские шашки”</a:t>
             </a:r>
             <a:endParaRPr lang="ru-RU" dirty="0"/>
           </a:p>
@@ -7309,74 +7306,140 @@
           </p:spPr>
         </p:pic>
       </p:grpSp>
+      <p:sp>
+        <p:nvSpPr>
+          <p:cNvPr id="19" name="Овал 18"/>
+          <p:cNvSpPr/>
+          <p:nvPr/>
+        </p:nvSpPr>
+        <p:spPr>
+          <a:xfrm>
+            <a:off x="5143504" y="2357430"/>
+            <a:ext cx="1071570" cy="571504"/>
+          </a:xfrm>
+          <a:prstGeom prst="ellipse">
+            <a:avLst/>
+          </a:prstGeom>
+        </p:spPr>
+        <p:style>
+          <a:lnRef idx="2">
+            <a:schemeClr val="accent4">
+              <a:shade val="50000"/>
+            </a:schemeClr>
+          </a:lnRef>
+          <a:fillRef idx="1">
+            <a:schemeClr val="accent4"/>
+          </a:fillRef>
+          <a:effectRef idx="0">
+            <a:schemeClr val="accent4"/>
+          </a:effectRef>
+          <a:fontRef idx="minor">
+            <a:schemeClr val="lt1"/>
+          </a:fontRef>
+        </p:style>
+        <p:txBody>
+          <a:bodyPr rtlCol="0" anchor="ctr"/>
+          <a:lstStyle/>
+          <a:p>
+            <a:pPr algn="ctr"/>
+            <a:r>
+              <a:rPr lang="en-US" dirty="0" smtClean="0"/>
+              <a:t>d8-h8</a:t>
+            </a:r>
+            <a:endParaRPr lang="ru-RU" dirty="0"/>
+          </a:p>
+        </p:txBody>
+      </p:sp>
+      <p:cxnSp>
+        <p:nvCxnSpPr>
+          <p:cNvPr id="27" name="Прямая со стрелкой 26"/>
+          <p:cNvCxnSpPr/>
+          <p:nvPr/>
+        </p:nvCxnSpPr>
+        <p:spPr>
+          <a:xfrm rot="16200000" flipH="1">
+            <a:off x="6322231" y="1607331"/>
+            <a:ext cx="785818" cy="714380"/>
+          </a:xfrm>
+          <a:prstGeom prst="straightConnector1">
+            <a:avLst/>
+          </a:prstGeom>
+          <a:ln>
+            <a:tailEnd type="arrow"/>
+          </a:ln>
+        </p:spPr>
+        <p:style>
+          <a:lnRef idx="1">
+            <a:schemeClr val="accent1"/>
+          </a:lnRef>
+          <a:fillRef idx="0">
+            <a:schemeClr val="accent1"/>
+          </a:fillRef>
+          <a:effectRef idx="0">
+            <a:schemeClr val="accent1"/>
+          </a:effectRef>
+          <a:fontRef idx="minor">
+            <a:schemeClr val="tx1"/>
+          </a:fontRef>
+        </p:style>
+      </p:cxnSp>
+      <p:cxnSp>
+        <p:nvCxnSpPr>
+          <p:cNvPr id="29" name="Прямая со стрелкой 28"/>
+          <p:cNvCxnSpPr/>
+          <p:nvPr/>
+        </p:nvCxnSpPr>
+        <p:spPr>
+          <a:xfrm rot="5400000">
+            <a:off x="5607851" y="1607331"/>
+            <a:ext cx="785818" cy="714380"/>
+          </a:xfrm>
+          <a:prstGeom prst="straightConnector1">
+            <a:avLst/>
+          </a:prstGeom>
+          <a:ln>
+            <a:tailEnd type="arrow"/>
+          </a:ln>
+        </p:spPr>
+        <p:style>
+          <a:lnRef idx="1">
+            <a:schemeClr val="accent1"/>
+          </a:lnRef>
+          <a:fillRef idx="0">
+            <a:schemeClr val="accent1"/>
+          </a:fillRef>
+          <a:effectRef idx="0">
+            <a:schemeClr val="accent1"/>
+          </a:effectRef>
+          <a:fontRef idx="minor">
+            <a:schemeClr val="tx1"/>
+          </a:fontRef>
+        </p:style>
+      </p:cxnSp>
       <p:grpSp>
         <p:nvGrpSpPr>
-          <p:cNvPr id="194" name="Группа 193"/>
+          <p:cNvPr id="167" name="Группа 166"/>
           <p:cNvGrpSpPr/>
           <p:nvPr/>
         </p:nvGrpSpPr>
         <p:grpSpPr>
           <a:xfrm>
-            <a:off x="3929058" y="1571612"/>
-            <a:ext cx="4857784" cy="4429156"/>
-            <a:chOff x="3714744" y="857232"/>
-            <a:chExt cx="4857784" cy="4429156"/>
+            <a:off x="7215206" y="2928934"/>
+            <a:ext cx="1500198" cy="1065076"/>
+            <a:chOff x="6715140" y="2071678"/>
+            <a:chExt cx="1500198" cy="1065076"/>
           </a:xfrm>
         </p:grpSpPr>
-        <p:sp>
-          <p:nvSpPr>
-            <p:cNvPr id="19" name="Овал 18"/>
-            <p:cNvSpPr/>
-            <p:nvPr/>
-          </p:nvSpPr>
-          <p:spPr>
-            <a:xfrm>
-              <a:off x="4929190" y="1643050"/>
-              <a:ext cx="1071570" cy="571504"/>
-            </a:xfrm>
-            <a:prstGeom prst="ellipse">
-              <a:avLst/>
-            </a:prstGeom>
-          </p:spPr>
-          <p:style>
-            <a:lnRef idx="2">
-              <a:schemeClr val="accent1">
-                <a:shade val="50000"/>
-              </a:schemeClr>
-            </a:lnRef>
-            <a:fillRef idx="1">
-              <a:schemeClr val="accent1"/>
-            </a:fillRef>
-            <a:effectRef idx="0">
-              <a:schemeClr val="accent1"/>
-            </a:effectRef>
-            <a:fontRef idx="minor">
-              <a:schemeClr val="lt1"/>
-            </a:fontRef>
-          </p:style>
-          <p:txBody>
-            <a:bodyPr rtlCol="0" anchor="ctr"/>
-            <a:lstStyle/>
-            <a:p>
-              <a:pPr algn="ctr"/>
-              <a:r>
-                <a:rPr lang="en-US" dirty="0" smtClean="0"/>
-                <a:t>d8-h8</a:t>
-              </a:r>
-              <a:endParaRPr lang="ru-RU" dirty="0"/>
-            </a:p>
-          </p:txBody>
-        </p:sp>
         <p:cxnSp>
           <p:nvCxnSpPr>
-            <p:cNvPr id="27" name="Прямая со стрелкой 26"/>
+            <p:cNvPr id="130" name="Прямая со стрелкой 129"/>
             <p:cNvCxnSpPr/>
             <p:nvPr/>
           </p:nvCxnSpPr>
           <p:spPr>
-            <a:xfrm rot="16200000" flipH="1">
-              <a:off x="6107917" y="892951"/>
-              <a:ext cx="785818" cy="714380"/>
+            <a:xfrm>
+              <a:off x="6715140" y="2071678"/>
+              <a:ext cx="857256" cy="714380"/>
             </a:xfrm>
             <a:prstGeom prst="straightConnector1">
               <a:avLst/>
@@ -7402,14 +7465,14 @@
         </p:cxnSp>
         <p:cxnSp>
           <p:nvCxnSpPr>
-            <p:cNvPr id="29" name="Прямая со стрелкой 28"/>
+            <p:cNvPr id="131" name="Прямая со стрелкой 130"/>
             <p:cNvCxnSpPr/>
             <p:nvPr/>
           </p:nvCxnSpPr>
           <p:spPr>
-            <a:xfrm rot="5400000">
-              <a:off x="5393537" y="892951"/>
-              <a:ext cx="785818" cy="714380"/>
+            <a:xfrm>
+              <a:off x="6715140" y="2071678"/>
+              <a:ext cx="1500198" cy="714380"/>
             </a:xfrm>
             <a:prstGeom prst="straightConnector1">
               <a:avLst/>
@@ -7435,227 +7498,189 @@
         </p:cxnSp>
         <p:sp>
           <p:nvSpPr>
-            <p:cNvPr id="126" name="Овал 125"/>
-            <p:cNvSpPr/>
+            <p:cNvPr id="137" name="TextBox 136"/>
+            <p:cNvSpPr txBox="1"/>
             <p:nvPr/>
           </p:nvSpPr>
           <p:spPr>
             <a:xfrm>
-              <a:off x="6429388" y="1643050"/>
-              <a:ext cx="1071570" cy="571504"/>
+              <a:off x="7643834" y="2428868"/>
+              <a:ext cx="500066" cy="707886"/>
             </a:xfrm>
-            <a:prstGeom prst="ellipse">
+            <a:prstGeom prst="rect">
               <a:avLst/>
             </a:prstGeom>
+            <a:noFill/>
           </p:spPr>
-          <p:style>
-            <a:lnRef idx="2">
-              <a:schemeClr val="accent1">
-                <a:shade val="50000"/>
-              </a:schemeClr>
-            </a:lnRef>
-            <a:fillRef idx="1">
-              <a:schemeClr val="accent1"/>
-            </a:fillRef>
-            <a:effectRef idx="0">
-              <a:schemeClr val="accent1"/>
-            </a:effectRef>
-            <a:fontRef idx="minor">
-              <a:schemeClr val="lt1"/>
-            </a:fontRef>
-          </p:style>
           <p:txBody>
-            <a:bodyPr rtlCol="0" anchor="ctr"/>
+            <a:bodyPr wrap="square" rtlCol="0">
+              <a:spAutoFit/>
+            </a:bodyPr>
             <a:lstStyle/>
             <a:p>
-              <a:pPr algn="ctr"/>
               <a:r>
-                <a:rPr lang="en-US" dirty="0" smtClean="0"/>
-                <a:t>b4-d6</a:t>
-              </a:r>
-              <a:endParaRPr lang="ru-RU" dirty="0"/>
-            </a:p>
-          </p:txBody>
-        </p:sp>
-        <p:grpSp>
-          <p:nvGrpSpPr>
-            <p:cNvPr id="167" name="Группа 166"/>
-            <p:cNvGrpSpPr/>
-            <p:nvPr/>
-          </p:nvGrpSpPr>
-          <p:grpSpPr>
-            <a:xfrm>
-              <a:off x="7000892" y="2214554"/>
-              <a:ext cx="1000132" cy="1065076"/>
-              <a:chOff x="6715140" y="2071678"/>
-              <a:chExt cx="1000132" cy="1065076"/>
-            </a:xfrm>
-          </p:grpSpPr>
-          <p:cxnSp>
-            <p:nvCxnSpPr>
-              <p:cNvPr id="130" name="Прямая со стрелкой 129"/>
-              <p:cNvCxnSpPr/>
-              <p:nvPr/>
-            </p:nvCxnSpPr>
-            <p:spPr>
-              <a:xfrm rot="16200000" flipH="1">
-                <a:off x="6465107" y="2321711"/>
-                <a:ext cx="785818" cy="285752"/>
-              </a:xfrm>
-              <a:prstGeom prst="straightConnector1">
-                <a:avLst/>
-              </a:prstGeom>
-              <a:ln>
-                <a:tailEnd type="arrow"/>
-              </a:ln>
-            </p:spPr>
-            <p:style>
-              <a:lnRef idx="1">
-                <a:schemeClr val="accent1"/>
-              </a:lnRef>
-              <a:fillRef idx="0">
-                <a:schemeClr val="accent1"/>
-              </a:fillRef>
-              <a:effectRef idx="0">
-                <a:schemeClr val="accent1"/>
-              </a:effectRef>
-              <a:fontRef idx="minor">
-                <a:schemeClr val="tx1"/>
-              </a:fontRef>
-            </p:style>
-          </p:cxnSp>
-          <p:cxnSp>
-            <p:nvCxnSpPr>
-              <p:cNvPr id="131" name="Прямая со стрелкой 130"/>
-              <p:cNvCxnSpPr/>
-              <p:nvPr/>
-            </p:nvCxnSpPr>
-            <p:spPr>
-              <a:xfrm>
-                <a:off x="6715140" y="2071678"/>
-                <a:ext cx="1000132" cy="714380"/>
-              </a:xfrm>
-              <a:prstGeom prst="straightConnector1">
-                <a:avLst/>
-              </a:prstGeom>
-              <a:ln>
-                <a:tailEnd type="arrow"/>
-              </a:ln>
-            </p:spPr>
-            <p:style>
-              <a:lnRef idx="1">
-                <a:schemeClr val="accent1"/>
-              </a:lnRef>
-              <a:fillRef idx="0">
-                <a:schemeClr val="accent1"/>
-              </a:fillRef>
-              <a:effectRef idx="0">
-                <a:schemeClr val="accent1"/>
-              </a:effectRef>
-              <a:fontRef idx="minor">
-                <a:schemeClr val="tx1"/>
-              </a:fontRef>
-            </p:style>
-          </p:cxnSp>
-          <p:sp>
-            <p:nvSpPr>
-              <p:cNvPr id="137" name="TextBox 136"/>
-              <p:cNvSpPr txBox="1"/>
-              <p:nvPr/>
-            </p:nvSpPr>
-            <p:spPr>
-              <a:xfrm>
-                <a:off x="7072330" y="2428868"/>
-                <a:ext cx="500066" cy="707886"/>
-              </a:xfrm>
-              <a:prstGeom prst="rect">
-                <a:avLst/>
-              </a:prstGeom>
-              <a:noFill/>
-            </p:spPr>
-            <p:txBody>
-              <a:bodyPr wrap="square" rtlCol="0">
-                <a:spAutoFit/>
-              </a:bodyPr>
-              <a:lstStyle/>
-              <a:p>
-                <a:r>
-                  <a:rPr lang="en-US" sz="4000" dirty="0" smtClean="0">
-                    <a:solidFill>
-                      <a:schemeClr val="tx2">
-                        <a:lumMod val="60000"/>
-                        <a:lumOff val="40000"/>
-                      </a:schemeClr>
-                    </a:solidFill>
-                  </a:rPr>
-                  <a:t>…</a:t>
-                </a:r>
-                <a:endParaRPr lang="ru-RU" sz="4000" dirty="0">
+                <a:rPr lang="en-US" sz="4000" dirty="0" smtClean="0">
                   <a:solidFill>
                     <a:schemeClr val="tx2">
                       <a:lumMod val="60000"/>
                       <a:lumOff val="40000"/>
                     </a:schemeClr>
                   </a:solidFill>
-                </a:endParaRPr>
-              </a:p>
-            </p:txBody>
-          </p:sp>
-        </p:grpSp>
-        <p:sp>
-          <p:nvSpPr>
-            <p:cNvPr id="141" name="Овал 140"/>
-            <p:cNvSpPr/>
-            <p:nvPr/>
-          </p:nvSpPr>
-          <p:spPr>
-            <a:xfrm>
-              <a:off x="4214810" y="2928934"/>
-              <a:ext cx="1071570" cy="571504"/>
-            </a:xfrm>
-            <a:prstGeom prst="ellipse">
-              <a:avLst/>
-            </a:prstGeom>
-          </p:spPr>
-          <p:style>
-            <a:lnRef idx="2">
-              <a:schemeClr val="accent1">
-                <a:shade val="50000"/>
-              </a:schemeClr>
-            </a:lnRef>
-            <a:fillRef idx="1">
-              <a:schemeClr val="accent1"/>
-            </a:fillRef>
-            <a:effectRef idx="0">
-              <a:schemeClr val="accent1"/>
-            </a:effectRef>
-            <a:fontRef idx="minor">
-              <a:schemeClr val="lt1"/>
-            </a:fontRef>
-          </p:style>
-          <p:txBody>
-            <a:bodyPr rtlCol="0" anchor="ctr"/>
-            <a:lstStyle/>
-            <a:p>
-              <a:pPr algn="ctr"/>
-              <a:r>
-                <a:rPr lang="en-US" dirty="0" smtClean="0"/>
-                <a:t>c5-a3</a:t>
+                </a:rPr>
+                <a:t>…</a:t>
               </a:r>
-              <a:endParaRPr lang="ru-RU" dirty="0"/>
+              <a:endParaRPr lang="ru-RU" sz="4000" dirty="0">
+                <a:solidFill>
+                  <a:schemeClr val="tx2">
+                    <a:lumMod val="60000"/>
+                    <a:lumOff val="40000"/>
+                  </a:schemeClr>
+                </a:solidFill>
+              </a:endParaRPr>
             </a:p>
           </p:txBody>
         </p:sp>
+      </p:grpSp>
+      <p:sp>
+        <p:nvSpPr>
+          <p:cNvPr id="141" name="Прямоугольник 140"/>
+          <p:cNvSpPr/>
+          <p:nvPr/>
+        </p:nvSpPr>
+        <p:spPr>
+          <a:xfrm>
+            <a:off x="4214810" y="3643314"/>
+            <a:ext cx="1071570" cy="571504"/>
+          </a:xfrm>
+          <a:prstGeom prst="rect">
+            <a:avLst/>
+          </a:prstGeom>
+          <a:ln/>
+        </p:spPr>
+        <p:style>
+          <a:lnRef idx="2">
+            <a:schemeClr val="accent1">
+              <a:shade val="50000"/>
+            </a:schemeClr>
+          </a:lnRef>
+          <a:fillRef idx="1">
+            <a:schemeClr val="accent1"/>
+          </a:fillRef>
+          <a:effectRef idx="0">
+            <a:schemeClr val="accent1"/>
+          </a:effectRef>
+          <a:fontRef idx="minor">
+            <a:schemeClr val="lt1"/>
+          </a:fontRef>
+        </p:style>
+        <p:txBody>
+          <a:bodyPr rtlCol="0" anchor="ctr"/>
+          <a:lstStyle/>
+          <a:p>
+            <a:pPr algn="ctr"/>
+            <a:r>
+              <a:rPr lang="en-US" dirty="0" smtClean="0"/>
+              <a:t>c5-a3</a:t>
+            </a:r>
+            <a:endParaRPr lang="ru-RU" dirty="0"/>
+          </a:p>
+        </p:txBody>
+      </p:sp>
+      <p:cxnSp>
+        <p:nvCxnSpPr>
+          <p:cNvPr id="143" name="Прямая со стрелкой 142"/>
+          <p:cNvCxnSpPr>
+            <a:stCxn id="19" idx="4"/>
+          </p:cNvCxnSpPr>
+          <p:nvPr/>
+        </p:nvCxnSpPr>
+        <p:spPr>
+          <a:xfrm rot="16200000" flipH="1">
+            <a:off x="6072198" y="2536025"/>
+            <a:ext cx="714380" cy="1500198"/>
+          </a:xfrm>
+          <a:prstGeom prst="straightConnector1">
+            <a:avLst/>
+          </a:prstGeom>
+          <a:ln>
+            <a:tailEnd type="arrow"/>
+          </a:ln>
+        </p:spPr>
+        <p:style>
+          <a:lnRef idx="1">
+            <a:schemeClr val="accent1"/>
+          </a:lnRef>
+          <a:fillRef idx="0">
+            <a:schemeClr val="accent1"/>
+          </a:fillRef>
+          <a:effectRef idx="0">
+            <a:schemeClr val="accent1"/>
+          </a:effectRef>
+          <a:fontRef idx="minor">
+            <a:schemeClr val="tx1"/>
+          </a:fontRef>
+        </p:style>
+      </p:cxnSp>
+      <p:cxnSp>
+        <p:nvCxnSpPr>
+          <p:cNvPr id="144" name="Прямая со стрелкой 143"/>
+          <p:cNvCxnSpPr>
+            <a:stCxn id="19" idx="4"/>
+            <a:endCxn id="141" idx="0"/>
+          </p:cNvCxnSpPr>
+          <p:nvPr/>
+        </p:nvCxnSpPr>
+        <p:spPr>
+          <a:xfrm rot="5400000">
+            <a:off x="4857752" y="2821777"/>
+            <a:ext cx="714380" cy="928694"/>
+          </a:xfrm>
+          <a:prstGeom prst="straightConnector1">
+            <a:avLst/>
+          </a:prstGeom>
+          <a:ln>
+            <a:tailEnd type="arrow"/>
+          </a:ln>
+        </p:spPr>
+        <p:style>
+          <a:lnRef idx="1">
+            <a:schemeClr val="accent1"/>
+          </a:lnRef>
+          <a:fillRef idx="0">
+            <a:schemeClr val="accent1"/>
+          </a:fillRef>
+          <a:effectRef idx="0">
+            <a:schemeClr val="accent1"/>
+          </a:effectRef>
+          <a:fontRef idx="minor">
+            <a:schemeClr val="tx1"/>
+          </a:fontRef>
+        </p:style>
+      </p:cxnSp>
+      <p:grpSp>
+        <p:nvGrpSpPr>
+          <p:cNvPr id="192" name="Группа 191"/>
+          <p:cNvGrpSpPr/>
+          <p:nvPr/>
+        </p:nvGrpSpPr>
+        <p:grpSpPr>
+          <a:xfrm>
+            <a:off x="6357950" y="1571612"/>
+            <a:ext cx="2428892" cy="1065076"/>
+            <a:chOff x="6143636" y="857232"/>
+            <a:chExt cx="2428892" cy="1065076"/>
+          </a:xfrm>
+        </p:grpSpPr>
         <p:cxnSp>
           <p:nvCxnSpPr>
-            <p:cNvPr id="143" name="Прямая со стрелкой 142"/>
+            <p:cNvPr id="147" name="Прямая со стрелкой 146"/>
             <p:cNvCxnSpPr/>
             <p:nvPr/>
           </p:nvCxnSpPr>
           <p:spPr>
-            <a:xfrm rot="16200000" flipH="1">
-              <a:off x="5393537" y="2178835"/>
-              <a:ext cx="785818" cy="714380"/>
+            <a:xfrm>
+              <a:off x="6143636" y="857232"/>
+              <a:ext cx="1643074" cy="785818"/>
             </a:xfrm>
             <a:prstGeom prst="straightConnector1">
               <a:avLst/>
@@ -7681,14 +7706,14 @@
         </p:cxnSp>
         <p:cxnSp>
           <p:nvCxnSpPr>
-            <p:cNvPr id="144" name="Прямая со стрелкой 143"/>
+            <p:cNvPr id="150" name="Прямая со стрелкой 149"/>
             <p:cNvCxnSpPr/>
             <p:nvPr/>
           </p:nvCxnSpPr>
           <p:spPr>
-            <a:xfrm rot="5400000">
-              <a:off x="4750595" y="2178835"/>
-              <a:ext cx="785818" cy="714380"/>
+            <a:xfrm>
+              <a:off x="6143636" y="857232"/>
+              <a:ext cx="2428892" cy="785818"/>
             </a:xfrm>
             <a:prstGeom prst="straightConnector1">
               <a:avLst/>
@@ -7714,183 +7739,141 @@
         </p:cxnSp>
         <p:sp>
           <p:nvSpPr>
-            <p:cNvPr id="146" name="Овал 145"/>
-            <p:cNvSpPr/>
+            <p:cNvPr id="156" name="TextBox 155"/>
+            <p:cNvSpPr txBox="1"/>
             <p:nvPr/>
           </p:nvSpPr>
           <p:spPr>
             <a:xfrm>
-              <a:off x="5643570" y="2928934"/>
-              <a:ext cx="1071570" cy="571504"/>
+              <a:off x="7858148" y="1214422"/>
+              <a:ext cx="500066" cy="707886"/>
             </a:xfrm>
-            <a:prstGeom prst="ellipse">
+            <a:prstGeom prst="rect">
               <a:avLst/>
             </a:prstGeom>
+            <a:noFill/>
+          </p:spPr>
+          <p:txBody>
+            <a:bodyPr wrap="square" rtlCol="0">
+              <a:spAutoFit/>
+            </a:bodyPr>
+            <a:lstStyle/>
+            <a:p>
+              <a:r>
+                <a:rPr lang="en-US" sz="4000" dirty="0" smtClean="0">
+                  <a:solidFill>
+                    <a:schemeClr val="tx2">
+                      <a:lumMod val="60000"/>
+                      <a:lumOff val="40000"/>
+                    </a:schemeClr>
+                  </a:solidFill>
+                </a:rPr>
+                <a:t>…</a:t>
+              </a:r>
+              <a:endParaRPr lang="ru-RU" sz="4000" dirty="0">
+                <a:solidFill>
+                  <a:schemeClr val="tx2">
+                    <a:lumMod val="60000"/>
+                    <a:lumOff val="40000"/>
+                  </a:schemeClr>
+                </a:solidFill>
+              </a:endParaRPr>
+            </a:p>
+          </p:txBody>
+        </p:sp>
+      </p:grpSp>
+      <p:cxnSp>
+        <p:nvCxnSpPr>
+          <p:cNvPr id="160" name="Прямая со стрелкой 159"/>
+          <p:cNvCxnSpPr>
+            <a:stCxn id="19" idx="4"/>
+          </p:cNvCxnSpPr>
+          <p:nvPr/>
+        </p:nvCxnSpPr>
+        <p:spPr>
+          <a:xfrm rot="16200000" flipH="1">
+            <a:off x="5464974" y="3143248"/>
+            <a:ext cx="714380" cy="285751"/>
+          </a:xfrm>
+          <a:prstGeom prst="straightConnector1">
+            <a:avLst/>
+          </a:prstGeom>
+          <a:ln>
+            <a:tailEnd type="arrow"/>
+          </a:ln>
+        </p:spPr>
+        <p:style>
+          <a:lnRef idx="1">
+            <a:schemeClr val="accent1"/>
+          </a:lnRef>
+          <a:fillRef idx="0">
+            <a:schemeClr val="accent1"/>
+          </a:fillRef>
+          <a:effectRef idx="0">
+            <a:schemeClr val="accent1"/>
+          </a:effectRef>
+          <a:fontRef idx="minor">
+            <a:schemeClr val="tx1"/>
+          </a:fontRef>
+        </p:style>
+      </p:cxnSp>
+      <p:grpSp>
+        <p:nvGrpSpPr>
+          <p:cNvPr id="172" name="Группа 171"/>
+          <p:cNvGrpSpPr/>
+          <p:nvPr/>
+        </p:nvGrpSpPr>
+        <p:grpSpPr>
+          <a:xfrm>
+            <a:off x="3786182" y="4214818"/>
+            <a:ext cx="928694" cy="1065076"/>
+            <a:chOff x="5786446" y="2071678"/>
+            <a:chExt cx="928694" cy="1065076"/>
+          </a:xfrm>
+        </p:grpSpPr>
+        <p:cxnSp>
+          <p:nvCxnSpPr>
+            <p:cNvPr id="173" name="Прямая со стрелкой 172"/>
+            <p:cNvCxnSpPr/>
+            <p:nvPr/>
+          </p:nvCxnSpPr>
+          <p:spPr>
+            <a:xfrm rot="10800000" flipV="1">
+              <a:off x="5786446" y="2071678"/>
+              <a:ext cx="928694" cy="785818"/>
+            </a:xfrm>
+            <a:prstGeom prst="straightConnector1">
+              <a:avLst/>
+            </a:prstGeom>
+            <a:ln>
+              <a:tailEnd type="arrow"/>
+            </a:ln>
           </p:spPr>
           <p:style>
-            <a:lnRef idx="2">
-              <a:schemeClr val="accent1">
-                <a:shade val="50000"/>
-              </a:schemeClr>
+            <a:lnRef idx="1">
+              <a:schemeClr val="accent1"/>
             </a:lnRef>
-            <a:fillRef idx="1">
+            <a:fillRef idx="0">
               <a:schemeClr val="accent1"/>
             </a:fillRef>
             <a:effectRef idx="0">
               <a:schemeClr val="accent1"/>
             </a:effectRef>
             <a:fontRef idx="minor">
-              <a:schemeClr val="lt1"/>
+              <a:schemeClr val="tx1"/>
             </a:fontRef>
           </p:style>
-          <p:txBody>
-            <a:bodyPr rtlCol="0" anchor="ctr"/>
-            <a:lstStyle/>
-            <a:p>
-              <a:pPr algn="ctr"/>
-              <a:r>
-                <a:rPr lang="en-US" dirty="0" smtClean="0"/>
-                <a:t>c5-a7</a:t>
-              </a:r>
-              <a:endParaRPr lang="ru-RU" dirty="0"/>
-            </a:p>
-          </p:txBody>
-        </p:sp>
-        <p:grpSp>
-          <p:nvGrpSpPr>
-            <p:cNvPr id="192" name="Группа 191"/>
-            <p:cNvGrpSpPr/>
-            <p:nvPr/>
-          </p:nvGrpSpPr>
-          <p:grpSpPr>
-            <a:xfrm>
-              <a:off x="6143636" y="857232"/>
-              <a:ext cx="2428892" cy="1065076"/>
-              <a:chOff x="6143636" y="857232"/>
-              <a:chExt cx="2428892" cy="1065076"/>
-            </a:xfrm>
-          </p:grpSpPr>
-          <p:cxnSp>
-            <p:nvCxnSpPr>
-              <p:cNvPr id="147" name="Прямая со стрелкой 146"/>
-              <p:cNvCxnSpPr/>
-              <p:nvPr/>
-            </p:nvCxnSpPr>
-            <p:spPr>
-              <a:xfrm>
-                <a:off x="6143636" y="857232"/>
-                <a:ext cx="1643074" cy="785818"/>
-              </a:xfrm>
-              <a:prstGeom prst="straightConnector1">
-                <a:avLst/>
-              </a:prstGeom>
-              <a:ln>
-                <a:tailEnd type="arrow"/>
-              </a:ln>
-            </p:spPr>
-            <p:style>
-              <a:lnRef idx="1">
-                <a:schemeClr val="accent1"/>
-              </a:lnRef>
-              <a:fillRef idx="0">
-                <a:schemeClr val="accent1"/>
-              </a:fillRef>
-              <a:effectRef idx="0">
-                <a:schemeClr val="accent1"/>
-              </a:effectRef>
-              <a:fontRef idx="minor">
-                <a:schemeClr val="tx1"/>
-              </a:fontRef>
-            </p:style>
-          </p:cxnSp>
-          <p:cxnSp>
-            <p:nvCxnSpPr>
-              <p:cNvPr id="150" name="Прямая со стрелкой 149"/>
-              <p:cNvCxnSpPr/>
-              <p:nvPr/>
-            </p:nvCxnSpPr>
-            <p:spPr>
-              <a:xfrm>
-                <a:off x="6143636" y="857232"/>
-                <a:ext cx="2428892" cy="785818"/>
-              </a:xfrm>
-              <a:prstGeom prst="straightConnector1">
-                <a:avLst/>
-              </a:prstGeom>
-              <a:ln>
-                <a:tailEnd type="arrow"/>
-              </a:ln>
-            </p:spPr>
-            <p:style>
-              <a:lnRef idx="1">
-                <a:schemeClr val="accent1"/>
-              </a:lnRef>
-              <a:fillRef idx="0">
-                <a:schemeClr val="accent1"/>
-              </a:fillRef>
-              <a:effectRef idx="0">
-                <a:schemeClr val="accent1"/>
-              </a:effectRef>
-              <a:fontRef idx="minor">
-                <a:schemeClr val="tx1"/>
-              </a:fontRef>
-            </p:style>
-          </p:cxnSp>
-          <p:sp>
-            <p:nvSpPr>
-              <p:cNvPr id="156" name="TextBox 155"/>
-              <p:cNvSpPr txBox="1"/>
-              <p:nvPr/>
-            </p:nvSpPr>
-            <p:spPr>
-              <a:xfrm>
-                <a:off x="7858148" y="1214422"/>
-                <a:ext cx="500066" cy="707886"/>
-              </a:xfrm>
-              <a:prstGeom prst="rect">
-                <a:avLst/>
-              </a:prstGeom>
-              <a:noFill/>
-            </p:spPr>
-            <p:txBody>
-              <a:bodyPr wrap="square" rtlCol="0">
-                <a:spAutoFit/>
-              </a:bodyPr>
-              <a:lstStyle/>
-              <a:p>
-                <a:r>
-                  <a:rPr lang="en-US" sz="4000" dirty="0" smtClean="0">
-                    <a:solidFill>
-                      <a:schemeClr val="tx2">
-                        <a:lumMod val="60000"/>
-                        <a:lumOff val="40000"/>
-                      </a:schemeClr>
-                    </a:solidFill>
-                  </a:rPr>
-                  <a:t>…</a:t>
-                </a:r>
-                <a:endParaRPr lang="ru-RU" sz="4000" dirty="0">
-                  <a:solidFill>
-                    <a:schemeClr val="tx2">
-                      <a:lumMod val="60000"/>
-                      <a:lumOff val="40000"/>
-                    </a:schemeClr>
-                  </a:solidFill>
-                </a:endParaRPr>
-              </a:p>
-            </p:txBody>
-          </p:sp>
-        </p:grpSp>
+        </p:cxnSp>
         <p:cxnSp>
           <p:nvCxnSpPr>
-            <p:cNvPr id="160" name="Прямая со стрелкой 159"/>
+            <p:cNvPr id="174" name="Прямая со стрелкой 173"/>
             <p:cNvCxnSpPr/>
             <p:nvPr/>
           </p:nvCxnSpPr>
           <p:spPr>
-            <a:xfrm rot="16200000" flipH="1">
-              <a:off x="4813265" y="2884447"/>
-              <a:ext cx="1356528" cy="18330"/>
+            <a:xfrm rot="5400000">
+              <a:off x="6215074" y="2357430"/>
+              <a:ext cx="785818" cy="214314"/>
             </a:xfrm>
             <a:prstGeom prst="straightConnector1">
               <a:avLst/>
@@ -7916,423 +7899,173 @@
         </p:cxnSp>
         <p:sp>
           <p:nvSpPr>
-            <p:cNvPr id="164" name="Овал 163"/>
-            <p:cNvSpPr/>
+            <p:cNvPr id="175" name="TextBox 174"/>
+            <p:cNvSpPr txBox="1"/>
             <p:nvPr/>
           </p:nvSpPr>
           <p:spPr>
             <a:xfrm>
-              <a:off x="5000628" y="3571876"/>
-              <a:ext cx="1071570" cy="571504"/>
+              <a:off x="5929322" y="2428868"/>
+              <a:ext cx="500066" cy="707886"/>
             </a:xfrm>
-            <a:prstGeom prst="ellipse">
+            <a:prstGeom prst="rect">
               <a:avLst/>
             </a:prstGeom>
+            <a:noFill/>
+          </p:spPr>
+          <p:txBody>
+            <a:bodyPr wrap="square" rtlCol="0">
+              <a:spAutoFit/>
+            </a:bodyPr>
+            <a:lstStyle/>
+            <a:p>
+              <a:r>
+                <a:rPr lang="en-US" sz="4000" dirty="0" smtClean="0">
+                  <a:solidFill>
+                    <a:schemeClr val="tx2">
+                      <a:lumMod val="60000"/>
+                      <a:lumOff val="40000"/>
+                    </a:schemeClr>
+                  </a:solidFill>
+                </a:rPr>
+                <a:t>…</a:t>
+              </a:r>
+              <a:endParaRPr lang="ru-RU" sz="4000" dirty="0">
+                <a:solidFill>
+                  <a:schemeClr val="tx2">
+                    <a:lumMod val="60000"/>
+                    <a:lumOff val="40000"/>
+                  </a:schemeClr>
+                </a:solidFill>
+              </a:endParaRPr>
+            </a:p>
+          </p:txBody>
+        </p:sp>
+      </p:grpSp>
+      <p:grpSp>
+        <p:nvGrpSpPr>
+          <p:cNvPr id="181" name="Группа 180"/>
+          <p:cNvGrpSpPr/>
+          <p:nvPr/>
+        </p:nvGrpSpPr>
+        <p:grpSpPr>
+          <a:xfrm>
+            <a:off x="7215206" y="4214818"/>
+            <a:ext cx="928694" cy="1071570"/>
+            <a:chOff x="6715140" y="2071678"/>
+            <a:chExt cx="928694" cy="1071570"/>
+          </a:xfrm>
+        </p:grpSpPr>
+        <p:cxnSp>
+          <p:nvCxnSpPr>
+            <p:cNvPr id="182" name="Прямая со стрелкой 181"/>
+            <p:cNvCxnSpPr/>
+            <p:nvPr/>
+          </p:nvCxnSpPr>
+          <p:spPr>
+            <a:xfrm rot="16200000" flipH="1">
+              <a:off x="6465107" y="2321711"/>
+              <a:ext cx="785818" cy="285752"/>
+            </a:xfrm>
+            <a:prstGeom prst="straightConnector1">
+              <a:avLst/>
+            </a:prstGeom>
+            <a:ln>
+              <a:tailEnd type="arrow"/>
+            </a:ln>
           </p:spPr>
           <p:style>
-            <a:lnRef idx="2">
-              <a:schemeClr val="accent1">
-                <a:shade val="50000"/>
-              </a:schemeClr>
+            <a:lnRef idx="1">
+              <a:schemeClr val="accent1"/>
             </a:lnRef>
-            <a:fillRef idx="1">
+            <a:fillRef idx="0">
               <a:schemeClr val="accent1"/>
             </a:fillRef>
             <a:effectRef idx="0">
               <a:schemeClr val="accent1"/>
             </a:effectRef>
             <a:fontRef idx="minor">
-              <a:schemeClr val="lt1"/>
+              <a:schemeClr val="tx1"/>
             </a:fontRef>
           </p:style>
+        </p:cxnSp>
+        <p:cxnSp>
+          <p:nvCxnSpPr>
+            <p:cNvPr id="183" name="Прямая со стрелкой 182"/>
+            <p:cNvCxnSpPr/>
+            <p:nvPr/>
+          </p:nvCxnSpPr>
+          <p:spPr>
+            <a:xfrm>
+              <a:off x="6715140" y="2071678"/>
+              <a:ext cx="928694" cy="714380"/>
+            </a:xfrm>
+            <a:prstGeom prst="straightConnector1">
+              <a:avLst/>
+            </a:prstGeom>
+            <a:ln>
+              <a:tailEnd type="arrow"/>
+            </a:ln>
+          </p:spPr>
+          <p:style>
+            <a:lnRef idx="1">
+              <a:schemeClr val="accent1"/>
+            </a:lnRef>
+            <a:fillRef idx="0">
+              <a:schemeClr val="accent1"/>
+            </a:fillRef>
+            <a:effectRef idx="0">
+              <a:schemeClr val="accent1"/>
+            </a:effectRef>
+            <a:fontRef idx="minor">
+              <a:schemeClr val="tx1"/>
+            </a:fontRef>
+          </p:style>
+        </p:cxnSp>
+        <p:sp>
+          <p:nvSpPr>
+            <p:cNvPr id="184" name="TextBox 183"/>
+            <p:cNvSpPr txBox="1"/>
+            <p:nvPr/>
+          </p:nvSpPr>
+          <p:spPr>
+            <a:xfrm>
+              <a:off x="7072330" y="2435362"/>
+              <a:ext cx="500066" cy="707886"/>
+            </a:xfrm>
+            <a:prstGeom prst="rect">
+              <a:avLst/>
+            </a:prstGeom>
+            <a:noFill/>
+          </p:spPr>
           <p:txBody>
-            <a:bodyPr rtlCol="0" anchor="ctr"/>
+            <a:bodyPr wrap="square" rtlCol="0">
+              <a:spAutoFit/>
+            </a:bodyPr>
             <a:lstStyle/>
             <a:p>
-              <a:pPr algn="ctr"/>
               <a:r>
-                <a:rPr lang="en-US" dirty="0" smtClean="0"/>
-                <a:t>c7-c3</a:t>
-              </a:r>
-              <a:endParaRPr lang="ru-RU" dirty="0"/>
-            </a:p>
-          </p:txBody>
-        </p:sp>
-        <p:grpSp>
-          <p:nvGrpSpPr>
-            <p:cNvPr id="168" name="Группа 167"/>
-            <p:cNvGrpSpPr/>
-            <p:nvPr/>
-          </p:nvGrpSpPr>
-          <p:grpSpPr>
-            <a:xfrm>
-              <a:off x="6286512" y="3500438"/>
-              <a:ext cx="1000132" cy="1065076"/>
-              <a:chOff x="6715140" y="2071678"/>
-              <a:chExt cx="1000132" cy="1065076"/>
-            </a:xfrm>
-          </p:grpSpPr>
-          <p:cxnSp>
-            <p:nvCxnSpPr>
-              <p:cNvPr id="169" name="Прямая со стрелкой 168"/>
-              <p:cNvCxnSpPr/>
-              <p:nvPr/>
-            </p:nvCxnSpPr>
-            <p:spPr>
-              <a:xfrm rot="16200000" flipH="1">
-                <a:off x="6465107" y="2321711"/>
-                <a:ext cx="785818" cy="285752"/>
-              </a:xfrm>
-              <a:prstGeom prst="straightConnector1">
-                <a:avLst/>
-              </a:prstGeom>
-              <a:ln>
-                <a:tailEnd type="arrow"/>
-              </a:ln>
-            </p:spPr>
-            <p:style>
-              <a:lnRef idx="1">
-                <a:schemeClr val="accent1"/>
-              </a:lnRef>
-              <a:fillRef idx="0">
-                <a:schemeClr val="accent1"/>
-              </a:fillRef>
-              <a:effectRef idx="0">
-                <a:schemeClr val="accent1"/>
-              </a:effectRef>
-              <a:fontRef idx="minor">
-                <a:schemeClr val="tx1"/>
-              </a:fontRef>
-            </p:style>
-          </p:cxnSp>
-          <p:cxnSp>
-            <p:nvCxnSpPr>
-              <p:cNvPr id="170" name="Прямая со стрелкой 169"/>
-              <p:cNvCxnSpPr/>
-              <p:nvPr/>
-            </p:nvCxnSpPr>
-            <p:spPr>
-              <a:xfrm>
-                <a:off x="6715140" y="2071678"/>
-                <a:ext cx="1000132" cy="714380"/>
-              </a:xfrm>
-              <a:prstGeom prst="straightConnector1">
-                <a:avLst/>
-              </a:prstGeom>
-              <a:ln>
-                <a:tailEnd type="arrow"/>
-              </a:ln>
-            </p:spPr>
-            <p:style>
-              <a:lnRef idx="1">
-                <a:schemeClr val="accent1"/>
-              </a:lnRef>
-              <a:fillRef idx="0">
-                <a:schemeClr val="accent1"/>
-              </a:fillRef>
-              <a:effectRef idx="0">
-                <a:schemeClr val="accent1"/>
-              </a:effectRef>
-              <a:fontRef idx="minor">
-                <a:schemeClr val="tx1"/>
-              </a:fontRef>
-            </p:style>
-          </p:cxnSp>
-          <p:sp>
-            <p:nvSpPr>
-              <p:cNvPr id="171" name="TextBox 170"/>
-              <p:cNvSpPr txBox="1"/>
-              <p:nvPr/>
-            </p:nvSpPr>
-            <p:spPr>
-              <a:xfrm>
-                <a:off x="7072330" y="2428868"/>
-                <a:ext cx="500066" cy="707886"/>
-              </a:xfrm>
-              <a:prstGeom prst="rect">
-                <a:avLst/>
-              </a:prstGeom>
-              <a:noFill/>
-            </p:spPr>
-            <p:txBody>
-              <a:bodyPr wrap="square" rtlCol="0">
-                <a:spAutoFit/>
-              </a:bodyPr>
-              <a:lstStyle/>
-              <a:p>
-                <a:r>
-                  <a:rPr lang="en-US" sz="4000" dirty="0" smtClean="0">
-                    <a:solidFill>
-                      <a:schemeClr val="tx2">
-                        <a:lumMod val="60000"/>
-                        <a:lumOff val="40000"/>
-                      </a:schemeClr>
-                    </a:solidFill>
-                  </a:rPr>
-                  <a:t>…</a:t>
-                </a:r>
-                <a:endParaRPr lang="ru-RU" sz="4000" dirty="0">
+                <a:rPr lang="en-US" sz="4000" dirty="0" smtClean="0">
                   <a:solidFill>
                     <a:schemeClr val="tx2">
                       <a:lumMod val="60000"/>
                       <a:lumOff val="40000"/>
                     </a:schemeClr>
                   </a:solidFill>
-                </a:endParaRPr>
-              </a:p>
-            </p:txBody>
-          </p:sp>
-        </p:grpSp>
-        <p:grpSp>
-          <p:nvGrpSpPr>
-            <p:cNvPr id="172" name="Группа 171"/>
-            <p:cNvGrpSpPr/>
-            <p:nvPr/>
-          </p:nvGrpSpPr>
-          <p:grpSpPr>
-            <a:xfrm>
-              <a:off x="3714744" y="3500438"/>
-              <a:ext cx="928694" cy="1065076"/>
-              <a:chOff x="5786446" y="2071678"/>
-              <a:chExt cx="928694" cy="1065076"/>
-            </a:xfrm>
-          </p:grpSpPr>
-          <p:cxnSp>
-            <p:nvCxnSpPr>
-              <p:cNvPr id="173" name="Прямая со стрелкой 172"/>
-              <p:cNvCxnSpPr/>
-              <p:nvPr/>
-            </p:nvCxnSpPr>
-            <p:spPr>
-              <a:xfrm rot="10800000" flipV="1">
-                <a:off x="5786446" y="2071678"/>
-                <a:ext cx="928694" cy="785818"/>
-              </a:xfrm>
-              <a:prstGeom prst="straightConnector1">
-                <a:avLst/>
-              </a:prstGeom>
-              <a:ln>
-                <a:tailEnd type="arrow"/>
-              </a:ln>
-            </p:spPr>
-            <p:style>
-              <a:lnRef idx="1">
-                <a:schemeClr val="accent1"/>
-              </a:lnRef>
-              <a:fillRef idx="0">
-                <a:schemeClr val="accent1"/>
-              </a:fillRef>
-              <a:effectRef idx="0">
-                <a:schemeClr val="accent1"/>
-              </a:effectRef>
-              <a:fontRef idx="minor">
-                <a:schemeClr val="tx1"/>
-              </a:fontRef>
-            </p:style>
-          </p:cxnSp>
-          <p:cxnSp>
-            <p:nvCxnSpPr>
-              <p:cNvPr id="174" name="Прямая со стрелкой 173"/>
-              <p:cNvCxnSpPr/>
-              <p:nvPr/>
-            </p:nvCxnSpPr>
-            <p:spPr>
-              <a:xfrm rot="5400000">
-                <a:off x="6215074" y="2357430"/>
-                <a:ext cx="785818" cy="214314"/>
-              </a:xfrm>
-              <a:prstGeom prst="straightConnector1">
-                <a:avLst/>
-              </a:prstGeom>
-              <a:ln>
-                <a:tailEnd type="arrow"/>
-              </a:ln>
-            </p:spPr>
-            <p:style>
-              <a:lnRef idx="1">
-                <a:schemeClr val="accent1"/>
-              </a:lnRef>
-              <a:fillRef idx="0">
-                <a:schemeClr val="accent1"/>
-              </a:fillRef>
-              <a:effectRef idx="0">
-                <a:schemeClr val="accent1"/>
-              </a:effectRef>
-              <a:fontRef idx="minor">
-                <a:schemeClr val="tx1"/>
-              </a:fontRef>
-            </p:style>
-          </p:cxnSp>
-          <p:sp>
-            <p:nvSpPr>
-              <p:cNvPr id="175" name="TextBox 174"/>
-              <p:cNvSpPr txBox="1"/>
-              <p:nvPr/>
-            </p:nvSpPr>
-            <p:spPr>
-              <a:xfrm>
-                <a:off x="5929322" y="2428868"/>
-                <a:ext cx="500066" cy="707886"/>
-              </a:xfrm>
-              <a:prstGeom prst="rect">
-                <a:avLst/>
-              </a:prstGeom>
-              <a:noFill/>
-            </p:spPr>
-            <p:txBody>
-              <a:bodyPr wrap="square" rtlCol="0">
-                <a:spAutoFit/>
-              </a:bodyPr>
-              <a:lstStyle/>
-              <a:p>
-                <a:r>
-                  <a:rPr lang="en-US" sz="4000" dirty="0" smtClean="0">
-                    <a:solidFill>
-                      <a:schemeClr val="tx2">
-                        <a:lumMod val="60000"/>
-                        <a:lumOff val="40000"/>
-                      </a:schemeClr>
-                    </a:solidFill>
-                  </a:rPr>
-                  <a:t>…</a:t>
-                </a:r>
-                <a:endParaRPr lang="ru-RU" sz="4000" dirty="0">
-                  <a:solidFill>
-                    <a:schemeClr val="tx2">
-                      <a:lumMod val="60000"/>
-                      <a:lumOff val="40000"/>
-                    </a:schemeClr>
-                  </a:solidFill>
-                </a:endParaRPr>
-              </a:p>
-            </p:txBody>
-          </p:sp>
-        </p:grpSp>
-        <p:grpSp>
-          <p:nvGrpSpPr>
-            <p:cNvPr id="181" name="Группа 180"/>
-            <p:cNvGrpSpPr/>
-            <p:nvPr/>
-          </p:nvGrpSpPr>
-          <p:grpSpPr>
-            <a:xfrm>
-              <a:off x="5286380" y="4143380"/>
-              <a:ext cx="642942" cy="1143008"/>
-              <a:chOff x="6429388" y="2071678"/>
-              <a:chExt cx="642942" cy="1143008"/>
-            </a:xfrm>
-          </p:grpSpPr>
-          <p:cxnSp>
-            <p:nvCxnSpPr>
-              <p:cNvPr id="182" name="Прямая со стрелкой 181"/>
-              <p:cNvCxnSpPr/>
-              <p:nvPr/>
-            </p:nvCxnSpPr>
-            <p:spPr>
-              <a:xfrm rot="5400000">
-                <a:off x="6143636" y="2357430"/>
-                <a:ext cx="857256" cy="285752"/>
-              </a:xfrm>
-              <a:prstGeom prst="straightConnector1">
-                <a:avLst/>
-              </a:prstGeom>
-              <a:ln>
-                <a:tailEnd type="arrow"/>
-              </a:ln>
-            </p:spPr>
-            <p:style>
-              <a:lnRef idx="1">
-                <a:schemeClr val="accent1"/>
-              </a:lnRef>
-              <a:fillRef idx="0">
-                <a:schemeClr val="accent1"/>
-              </a:fillRef>
-              <a:effectRef idx="0">
-                <a:schemeClr val="accent1"/>
-              </a:effectRef>
-              <a:fontRef idx="minor">
-                <a:schemeClr val="tx1"/>
-              </a:fontRef>
-            </p:style>
-          </p:cxnSp>
-          <p:cxnSp>
-            <p:nvCxnSpPr>
-              <p:cNvPr id="183" name="Прямая со стрелкой 182"/>
-              <p:cNvCxnSpPr/>
-              <p:nvPr/>
-            </p:nvCxnSpPr>
-            <p:spPr>
-              <a:xfrm rot="16200000" flipH="1">
-                <a:off x="6465107" y="2321711"/>
-                <a:ext cx="857256" cy="357190"/>
-              </a:xfrm>
-              <a:prstGeom prst="straightConnector1">
-                <a:avLst/>
-              </a:prstGeom>
-              <a:ln>
-                <a:tailEnd type="arrow"/>
-              </a:ln>
-            </p:spPr>
-            <p:style>
-              <a:lnRef idx="1">
-                <a:schemeClr val="accent1"/>
-              </a:lnRef>
-              <a:fillRef idx="0">
-                <a:schemeClr val="accent1"/>
-              </a:fillRef>
-              <a:effectRef idx="0">
-                <a:schemeClr val="accent1"/>
-              </a:effectRef>
-              <a:fontRef idx="minor">
-                <a:schemeClr val="tx1"/>
-              </a:fontRef>
-            </p:style>
-          </p:cxnSp>
-          <p:sp>
-            <p:nvSpPr>
-              <p:cNvPr id="184" name="TextBox 183"/>
-              <p:cNvSpPr txBox="1"/>
-              <p:nvPr/>
-            </p:nvSpPr>
-            <p:spPr>
-              <a:xfrm>
-                <a:off x="6500826" y="2506800"/>
-                <a:ext cx="500066" cy="707886"/>
-              </a:xfrm>
-              <a:prstGeom prst="rect">
-                <a:avLst/>
-              </a:prstGeom>
-              <a:noFill/>
-            </p:spPr>
-            <p:txBody>
-              <a:bodyPr wrap="square" rtlCol="0">
-                <a:spAutoFit/>
-              </a:bodyPr>
-              <a:lstStyle/>
-              <a:p>
-                <a:r>
-                  <a:rPr lang="en-US" sz="4000" dirty="0" smtClean="0">
-                    <a:solidFill>
-                      <a:schemeClr val="tx2">
-                        <a:lumMod val="60000"/>
-                        <a:lumOff val="40000"/>
-                      </a:schemeClr>
-                    </a:solidFill>
-                  </a:rPr>
-                  <a:t>…</a:t>
-                </a:r>
-                <a:endParaRPr lang="ru-RU" sz="4000" dirty="0">
-                  <a:solidFill>
-                    <a:schemeClr val="tx2">
-                      <a:lumMod val="60000"/>
-                      <a:lumOff val="40000"/>
-                    </a:schemeClr>
-                  </a:solidFill>
-                </a:endParaRPr>
-              </a:p>
-            </p:txBody>
-          </p:sp>
-        </p:grpSp>
+                </a:rPr>
+                <a:t>…</a:t>
+              </a:r>
+              <a:endParaRPr lang="ru-RU" sz="4000" dirty="0">
+                <a:solidFill>
+                  <a:schemeClr val="tx2">
+                    <a:lumMod val="60000"/>
+                    <a:lumOff val="40000"/>
+                  </a:schemeClr>
+                </a:solidFill>
+              </a:endParaRPr>
+            </a:p>
+          </p:txBody>
+        </p:sp>
       </p:grpSp>
       <p:sp>
         <p:nvSpPr>
@@ -8389,6 +8122,467 @@
               <a:rPr lang="ru-RU" dirty="0" smtClean="0"/>
               <a:t>На последнем шаге рекурсии вызывается оценочная функция.</a:t>
             </a:r>
+          </a:p>
+        </p:txBody>
+      </p:sp>
+      <p:grpSp>
+        <p:nvGrpSpPr>
+          <p:cNvPr id="133" name="Группа 132"/>
+          <p:cNvGrpSpPr/>
+          <p:nvPr/>
+        </p:nvGrpSpPr>
+        <p:grpSpPr>
+          <a:xfrm>
+            <a:off x="6000760" y="4214818"/>
+            <a:ext cx="928694" cy="1071570"/>
+            <a:chOff x="6715140" y="2071678"/>
+            <a:chExt cx="928694" cy="1071570"/>
+          </a:xfrm>
+        </p:grpSpPr>
+        <p:cxnSp>
+          <p:nvCxnSpPr>
+            <p:cNvPr id="134" name="Прямая со стрелкой 133"/>
+            <p:cNvCxnSpPr/>
+            <p:nvPr/>
+          </p:nvCxnSpPr>
+          <p:spPr>
+            <a:xfrm rot="16200000" flipH="1">
+              <a:off x="6465107" y="2321711"/>
+              <a:ext cx="785818" cy="285752"/>
+            </a:xfrm>
+            <a:prstGeom prst="straightConnector1">
+              <a:avLst/>
+            </a:prstGeom>
+            <a:ln>
+              <a:tailEnd type="arrow"/>
+            </a:ln>
+          </p:spPr>
+          <p:style>
+            <a:lnRef idx="1">
+              <a:schemeClr val="accent1"/>
+            </a:lnRef>
+            <a:fillRef idx="0">
+              <a:schemeClr val="accent1"/>
+            </a:fillRef>
+            <a:effectRef idx="0">
+              <a:schemeClr val="accent1"/>
+            </a:effectRef>
+            <a:fontRef idx="minor">
+              <a:schemeClr val="tx1"/>
+            </a:fontRef>
+          </p:style>
+        </p:cxnSp>
+        <p:cxnSp>
+          <p:nvCxnSpPr>
+            <p:cNvPr id="135" name="Прямая со стрелкой 134"/>
+            <p:cNvCxnSpPr/>
+            <p:nvPr/>
+          </p:nvCxnSpPr>
+          <p:spPr>
+            <a:xfrm>
+              <a:off x="6715140" y="2071678"/>
+              <a:ext cx="928694" cy="714380"/>
+            </a:xfrm>
+            <a:prstGeom prst="straightConnector1">
+              <a:avLst/>
+            </a:prstGeom>
+            <a:ln>
+              <a:tailEnd type="arrow"/>
+            </a:ln>
+          </p:spPr>
+          <p:style>
+            <a:lnRef idx="1">
+              <a:schemeClr val="accent1"/>
+            </a:lnRef>
+            <a:fillRef idx="0">
+              <a:schemeClr val="accent1"/>
+            </a:fillRef>
+            <a:effectRef idx="0">
+              <a:schemeClr val="accent1"/>
+            </a:effectRef>
+            <a:fontRef idx="minor">
+              <a:schemeClr val="tx1"/>
+            </a:fontRef>
+          </p:style>
+        </p:cxnSp>
+        <p:sp>
+          <p:nvSpPr>
+            <p:cNvPr id="136" name="TextBox 135"/>
+            <p:cNvSpPr txBox="1"/>
+            <p:nvPr/>
+          </p:nvSpPr>
+          <p:spPr>
+            <a:xfrm>
+              <a:off x="7072330" y="2435362"/>
+              <a:ext cx="500066" cy="707886"/>
+            </a:xfrm>
+            <a:prstGeom prst="rect">
+              <a:avLst/>
+            </a:prstGeom>
+            <a:noFill/>
+          </p:spPr>
+          <p:txBody>
+            <a:bodyPr wrap="square" rtlCol="0">
+              <a:spAutoFit/>
+            </a:bodyPr>
+            <a:lstStyle/>
+            <a:p>
+              <a:r>
+                <a:rPr lang="en-US" sz="4000" dirty="0" smtClean="0">
+                  <a:solidFill>
+                    <a:schemeClr val="tx2">
+                      <a:lumMod val="60000"/>
+                      <a:lumOff val="40000"/>
+                    </a:schemeClr>
+                  </a:solidFill>
+                </a:rPr>
+                <a:t>…</a:t>
+              </a:r>
+              <a:endParaRPr lang="ru-RU" sz="4000" dirty="0">
+                <a:solidFill>
+                  <a:schemeClr val="tx2">
+                    <a:lumMod val="60000"/>
+                    <a:lumOff val="40000"/>
+                  </a:schemeClr>
+                </a:solidFill>
+              </a:endParaRPr>
+            </a:p>
+          </p:txBody>
+        </p:sp>
+      </p:grpSp>
+      <p:cxnSp>
+        <p:nvCxnSpPr>
+          <p:cNvPr id="138" name="Прямая со стрелкой 137"/>
+          <p:cNvCxnSpPr/>
+          <p:nvPr/>
+        </p:nvCxnSpPr>
+        <p:spPr>
+          <a:xfrm rot="5400000">
+            <a:off x="5357818" y="4286256"/>
+            <a:ext cx="714380" cy="571504"/>
+          </a:xfrm>
+          <a:prstGeom prst="straightConnector1">
+            <a:avLst/>
+          </a:prstGeom>
+          <a:ln>
+            <a:tailEnd type="arrow"/>
+          </a:ln>
+        </p:spPr>
+        <p:style>
+          <a:lnRef idx="1">
+            <a:schemeClr val="accent1"/>
+          </a:lnRef>
+          <a:fillRef idx="0">
+            <a:schemeClr val="accent1"/>
+          </a:fillRef>
+          <a:effectRef idx="0">
+            <a:schemeClr val="accent1"/>
+          </a:effectRef>
+          <a:fontRef idx="minor">
+            <a:schemeClr val="tx1"/>
+          </a:fontRef>
+        </p:style>
+      </p:cxnSp>
+      <p:grpSp>
+        <p:nvGrpSpPr>
+          <p:cNvPr id="145" name="Группа 144"/>
+          <p:cNvGrpSpPr/>
+          <p:nvPr/>
+        </p:nvGrpSpPr>
+        <p:grpSpPr>
+          <a:xfrm>
+            <a:off x="5143504" y="5500702"/>
+            <a:ext cx="642942" cy="928694"/>
+            <a:chOff x="6429388" y="2071678"/>
+            <a:chExt cx="642942" cy="928694"/>
+          </a:xfrm>
+        </p:grpSpPr>
+        <p:cxnSp>
+          <p:nvCxnSpPr>
+            <p:cNvPr id="148" name="Прямая со стрелкой 147"/>
+            <p:cNvCxnSpPr/>
+            <p:nvPr/>
+          </p:nvCxnSpPr>
+          <p:spPr>
+            <a:xfrm rot="5400000">
+              <a:off x="6250793" y="2250273"/>
+              <a:ext cx="642942" cy="285752"/>
+            </a:xfrm>
+            <a:prstGeom prst="straightConnector1">
+              <a:avLst/>
+            </a:prstGeom>
+            <a:ln>
+              <a:tailEnd type="arrow"/>
+            </a:ln>
+          </p:spPr>
+          <p:style>
+            <a:lnRef idx="1">
+              <a:schemeClr val="accent1"/>
+            </a:lnRef>
+            <a:fillRef idx="0">
+              <a:schemeClr val="accent1"/>
+            </a:fillRef>
+            <a:effectRef idx="0">
+              <a:schemeClr val="accent1"/>
+            </a:effectRef>
+            <a:fontRef idx="minor">
+              <a:schemeClr val="tx1"/>
+            </a:fontRef>
+          </p:style>
+        </p:cxnSp>
+        <p:cxnSp>
+          <p:nvCxnSpPr>
+            <p:cNvPr id="149" name="Прямая со стрелкой 148"/>
+            <p:cNvCxnSpPr/>
+            <p:nvPr/>
+          </p:nvCxnSpPr>
+          <p:spPr>
+            <a:xfrm rot="16200000" flipH="1">
+              <a:off x="6572264" y="2214554"/>
+              <a:ext cx="642942" cy="357190"/>
+            </a:xfrm>
+            <a:prstGeom prst="straightConnector1">
+              <a:avLst/>
+            </a:prstGeom>
+            <a:ln>
+              <a:tailEnd type="arrow"/>
+            </a:ln>
+          </p:spPr>
+          <p:style>
+            <a:lnRef idx="1">
+              <a:schemeClr val="accent1"/>
+            </a:lnRef>
+            <a:fillRef idx="0">
+              <a:schemeClr val="accent1"/>
+            </a:fillRef>
+            <a:effectRef idx="0">
+              <a:schemeClr val="accent1"/>
+            </a:effectRef>
+            <a:fontRef idx="minor">
+              <a:schemeClr val="tx1"/>
+            </a:fontRef>
+          </p:style>
+        </p:cxnSp>
+        <p:sp>
+          <p:nvSpPr>
+            <p:cNvPr id="151" name="TextBox 150"/>
+            <p:cNvSpPr txBox="1"/>
+            <p:nvPr/>
+          </p:nvSpPr>
+          <p:spPr>
+            <a:xfrm>
+              <a:off x="6500826" y="2292486"/>
+              <a:ext cx="500066" cy="707886"/>
+            </a:xfrm>
+            <a:prstGeom prst="rect">
+              <a:avLst/>
+            </a:prstGeom>
+            <a:noFill/>
+          </p:spPr>
+          <p:txBody>
+            <a:bodyPr wrap="square" rtlCol="0">
+              <a:spAutoFit/>
+            </a:bodyPr>
+            <a:lstStyle/>
+            <a:p>
+              <a:r>
+                <a:rPr lang="en-US" sz="4000" dirty="0" smtClean="0">
+                  <a:solidFill>
+                    <a:schemeClr val="tx2">
+                      <a:lumMod val="60000"/>
+                      <a:lumOff val="40000"/>
+                    </a:schemeClr>
+                  </a:solidFill>
+                </a:rPr>
+                <a:t>…</a:t>
+              </a:r>
+              <a:endParaRPr lang="ru-RU" sz="4000" dirty="0">
+                <a:solidFill>
+                  <a:schemeClr val="tx2">
+                    <a:lumMod val="60000"/>
+                    <a:lumOff val="40000"/>
+                  </a:schemeClr>
+                </a:solidFill>
+              </a:endParaRPr>
+            </a:p>
+          </p:txBody>
+        </p:sp>
+      </p:grpSp>
+      <p:sp>
+        <p:nvSpPr>
+          <p:cNvPr id="155" name="Овал 154"/>
+          <p:cNvSpPr/>
+          <p:nvPr/>
+        </p:nvSpPr>
+        <p:spPr>
+          <a:xfrm>
+            <a:off x="6572264" y="2357430"/>
+            <a:ext cx="1071570" cy="571504"/>
+          </a:xfrm>
+          <a:prstGeom prst="ellipse">
+            <a:avLst/>
+          </a:prstGeom>
+        </p:spPr>
+        <p:style>
+          <a:lnRef idx="2">
+            <a:schemeClr val="accent4">
+              <a:shade val="50000"/>
+            </a:schemeClr>
+          </a:lnRef>
+          <a:fillRef idx="1">
+            <a:schemeClr val="accent4"/>
+          </a:fillRef>
+          <a:effectRef idx="0">
+            <a:schemeClr val="accent4"/>
+          </a:effectRef>
+          <a:fontRef idx="minor">
+            <a:schemeClr val="lt1"/>
+          </a:fontRef>
+        </p:style>
+        <p:txBody>
+          <a:bodyPr rtlCol="0" anchor="ctr"/>
+          <a:lstStyle/>
+          <a:p>
+            <a:pPr algn="ctr"/>
+            <a:r>
+              <a:rPr lang="en-US" dirty="0" smtClean="0"/>
+              <a:t>b4-b8</a:t>
+            </a:r>
+            <a:endParaRPr lang="ru-RU" dirty="0"/>
+          </a:p>
+        </p:txBody>
+      </p:sp>
+      <p:sp>
+        <p:nvSpPr>
+          <p:cNvPr id="157" name="Овал 156"/>
+          <p:cNvSpPr/>
+          <p:nvPr/>
+        </p:nvSpPr>
+        <p:spPr>
+          <a:xfrm>
+            <a:off x="4929190" y="4929198"/>
+            <a:ext cx="1071570" cy="571504"/>
+          </a:xfrm>
+          <a:prstGeom prst="ellipse">
+            <a:avLst/>
+          </a:prstGeom>
+        </p:spPr>
+        <p:style>
+          <a:lnRef idx="2">
+            <a:schemeClr val="accent4">
+              <a:shade val="50000"/>
+            </a:schemeClr>
+          </a:lnRef>
+          <a:fillRef idx="1">
+            <a:schemeClr val="accent4"/>
+          </a:fillRef>
+          <a:effectRef idx="0">
+            <a:schemeClr val="accent4"/>
+          </a:effectRef>
+          <a:fontRef idx="minor">
+            <a:schemeClr val="lt1"/>
+          </a:fontRef>
+        </p:style>
+        <p:txBody>
+          <a:bodyPr rtlCol="0" anchor="ctr"/>
+          <a:lstStyle/>
+          <a:p>
+            <a:pPr algn="ctr"/>
+            <a:r>
+              <a:rPr lang="en-US" dirty="0" smtClean="0"/>
+              <a:t>h8-b2</a:t>
+            </a:r>
+            <a:endParaRPr lang="ru-RU" dirty="0"/>
+          </a:p>
+        </p:txBody>
+      </p:sp>
+      <p:sp>
+        <p:nvSpPr>
+          <p:cNvPr id="158" name="Прямоугольник 157"/>
+          <p:cNvSpPr/>
+          <p:nvPr/>
+        </p:nvSpPr>
+        <p:spPr>
+          <a:xfrm>
+            <a:off x="5429256" y="3643314"/>
+            <a:ext cx="1071570" cy="571504"/>
+          </a:xfrm>
+          <a:prstGeom prst="rect">
+            <a:avLst/>
+          </a:prstGeom>
+          <a:ln/>
+        </p:spPr>
+        <p:style>
+          <a:lnRef idx="2">
+            <a:schemeClr val="accent1">
+              <a:shade val="50000"/>
+            </a:schemeClr>
+          </a:lnRef>
+          <a:fillRef idx="1">
+            <a:schemeClr val="accent1"/>
+          </a:fillRef>
+          <a:effectRef idx="0">
+            <a:schemeClr val="accent1"/>
+          </a:effectRef>
+          <a:fontRef idx="minor">
+            <a:schemeClr val="lt1"/>
+          </a:fontRef>
+        </p:style>
+        <p:txBody>
+          <a:bodyPr rtlCol="0" anchor="ctr"/>
+          <a:lstStyle/>
+          <a:p>
+            <a:pPr algn="ctr"/>
+            <a:r>
+              <a:rPr lang="en-US" dirty="0" smtClean="0"/>
+              <a:t>c7-c3</a:t>
+            </a:r>
+            <a:endParaRPr lang="ru-RU" dirty="0"/>
+          </a:p>
+        </p:txBody>
+      </p:sp>
+      <p:sp>
+        <p:nvSpPr>
+          <p:cNvPr id="159" name="Прямоугольник 158"/>
+          <p:cNvSpPr/>
+          <p:nvPr/>
+        </p:nvSpPr>
+        <p:spPr>
+          <a:xfrm>
+            <a:off x="6643702" y="3643314"/>
+            <a:ext cx="1071570" cy="571504"/>
+          </a:xfrm>
+          <a:prstGeom prst="rect">
+            <a:avLst/>
+          </a:prstGeom>
+          <a:ln/>
+        </p:spPr>
+        <p:style>
+          <a:lnRef idx="2">
+            <a:schemeClr val="accent1">
+              <a:shade val="50000"/>
+            </a:schemeClr>
+          </a:lnRef>
+          <a:fillRef idx="1">
+            <a:schemeClr val="accent1"/>
+          </a:fillRef>
+          <a:effectRef idx="0">
+            <a:schemeClr val="accent1"/>
+          </a:effectRef>
+          <a:fontRef idx="minor">
+            <a:schemeClr val="lt1"/>
+          </a:fontRef>
+        </p:style>
+        <p:txBody>
+          <a:bodyPr rtlCol="0" anchor="ctr"/>
+          <a:lstStyle/>
+          <a:p>
+            <a:pPr algn="ctr"/>
+            <a:r>
+              <a:rPr lang="en-US" dirty="0" smtClean="0"/>
+              <a:t>c5-a7</a:t>
+            </a:r>
+            <a:endParaRPr lang="ru-RU" dirty="0"/>
           </a:p>
         </p:txBody>
       </p:sp>
@@ -9103,15 +9297,7 @@
                   <a:pPr algn="ctr"/>
                   <a:r>
                     <a:rPr lang="ru-RU" sz="1400" dirty="0" smtClean="0"/>
-                    <a:t>Сгенерируй </a:t>
-                  </a:r>
-                  <a:r>
-                    <a:rPr lang="ru-RU" sz="1400" dirty="0" smtClean="0"/>
-                    <a:t>все </a:t>
-                  </a:r>
-                  <a:r>
-                    <a:rPr lang="ru-RU" sz="1400" dirty="0" smtClean="0"/>
-                    <a:t>ходы</a:t>
+                    <a:t>Сгенерируй все ходы</a:t>
                   </a:r>
                   <a:endParaRPr lang="ru-RU" sz="1400" dirty="0"/>
                 </a:p>
@@ -9203,11 +9389,7 @@
                   </a:r>
                   <a:r>
                     <a:rPr lang="en-US" sz="1400" dirty="0" smtClean="0"/>
-                    <a:t>:=Search(depth-1</a:t>
-                  </a:r>
-                  <a:r>
-                    <a:rPr lang="en-US" sz="1400" dirty="0" smtClean="0"/>
-                    <a:t>)</a:t>
+                    <a:t>:=Search(depth-1)</a:t>
                   </a:r>
                   <a:endParaRPr lang="ru-RU" sz="1400" dirty="0"/>
                 </a:p>
@@ -9955,9 +10137,9 @@
           <p:grpSpPr>
             <a:xfrm>
               <a:off x="571472" y="1428736"/>
-              <a:ext cx="4857784" cy="594658"/>
+              <a:ext cx="4857784" cy="430216"/>
               <a:chOff x="571472" y="1428736"/>
-              <a:chExt cx="4857784" cy="594658"/>
+              <a:chExt cx="4857784" cy="430216"/>
             </a:xfrm>
           </p:grpSpPr>
           <p:cxnSp>
@@ -9968,8 +10150,8 @@
             </p:nvCxnSpPr>
             <p:spPr>
               <a:xfrm rot="10800000">
-                <a:off x="3500430" y="1643050"/>
-                <a:ext cx="1928826" cy="1588"/>
+                <a:off x="4000496" y="1643050"/>
+                <a:ext cx="1428760" cy="1588"/>
               </a:xfrm>
               <a:prstGeom prst="line">
                 <a:avLst/>
@@ -9998,7 +10180,7 @@
             </p:nvCxnSpPr>
             <p:spPr>
               <a:xfrm>
-                <a:off x="3071802" y="1428736"/>
+                <a:off x="3571868" y="1428736"/>
                 <a:ext cx="428628" cy="1588"/>
               </a:xfrm>
               <a:prstGeom prst="line">
@@ -10028,7 +10210,7 @@
             </p:nvCxnSpPr>
             <p:spPr>
               <a:xfrm rot="5400000">
-                <a:off x="3286910" y="1642256"/>
+                <a:off x="3786976" y="1642256"/>
                 <a:ext cx="427834" cy="794"/>
               </a:xfrm>
               <a:prstGeom prst="line">
@@ -10058,7 +10240,7 @@
             </p:nvCxnSpPr>
             <p:spPr>
               <a:xfrm rot="10800000">
-                <a:off x="3071802" y="1857364"/>
+                <a:off x="3571868" y="1857364"/>
                 <a:ext cx="428628" cy="1588"/>
               </a:xfrm>
               <a:prstGeom prst="line">
@@ -10089,7 +10271,7 @@
             <p:spPr>
               <a:xfrm>
                 <a:off x="571472" y="1500174"/>
-                <a:ext cx="3000396" cy="523220"/>
+                <a:ext cx="3286148" cy="307777"/>
               </a:xfrm>
               <a:prstGeom prst="rect">
                 <a:avLst/>
@@ -10325,22 +10507,14 @@
             <a:pPr marL="342900" indent="-342900"/>
             <a:r>
               <a:rPr lang="en-US" sz="1600" dirty="0" smtClean="0"/>
-              <a:t>	</a:t>
-            </a:r>
+              <a:t>		score:=-INFINITY;</a:t>
+            </a:r>
+          </a:p>
+          <a:p>
+            <a:pPr marL="342900" indent="-342900"/>
             <a:r>
               <a:rPr lang="en-US" sz="1600" dirty="0" smtClean="0"/>
-              <a:t>	score:=-INFINITY;</a:t>
-            </a:r>
-          </a:p>
-          <a:p>
-            <a:pPr marL="342900" indent="-342900"/>
-            <a:r>
-              <a:rPr lang="en-US" sz="1600" dirty="0" smtClean="0"/>
-              <a:t>	</a:t>
-            </a:r>
-            <a:r>
-              <a:rPr lang="en-US" sz="1600" dirty="0" smtClean="0"/>
-              <a:t>	</a:t>
+              <a:t>		</a:t>
             </a:r>
             <a:r>
               <a:rPr lang="en-US" sz="1600" dirty="0" err="1" smtClean="0"/>
@@ -10355,11 +10529,7 @@
             <a:pPr marL="342900" indent="-342900"/>
             <a:r>
               <a:rPr lang="en-US" sz="1600" dirty="0" smtClean="0"/>
-              <a:t>	</a:t>
-            </a:r>
-            <a:r>
-              <a:rPr lang="en-US" sz="1600" dirty="0" smtClean="0"/>
-              <a:t>	while </a:t>
+              <a:t>		while </a:t>
             </a:r>
             <a:r>
               <a:rPr lang="en-US" sz="1600" dirty="0" err="1" smtClean="0"/>
@@ -10374,11 +10544,7 @@
             <a:pPr marL="342900" indent="-342900"/>
             <a:r>
               <a:rPr lang="en-US" sz="1600" dirty="0" smtClean="0"/>
-              <a:t>	</a:t>
-            </a:r>
-            <a:r>
-              <a:rPr lang="en-US" sz="1600" dirty="0" smtClean="0"/>
-              <a:t>	           </a:t>
+              <a:t>		           </a:t>
             </a:r>
             <a:r>
               <a:rPr lang="en-US" sz="1600" b="1" dirty="0" smtClean="0"/>
@@ -10389,121 +10555,101 @@
             <a:pPr marL="342900" indent="-342900"/>
             <a:r>
               <a:rPr lang="en-US" sz="1600" dirty="0" smtClean="0"/>
-              <a:t>	</a:t>
-            </a:r>
+              <a:t>			</a:t>
+            </a:r>
+            <a:r>
+              <a:rPr lang="en-US" sz="1600" dirty="0" err="1" smtClean="0"/>
+              <a:t>MakeMove</a:t>
+            </a:r>
+            <a:r>
+              <a:rPr lang="en-US" sz="1600" dirty="0" smtClean="0"/>
+              <a:t>();</a:t>
+            </a:r>
+          </a:p>
+          <a:p>
+            <a:pPr marL="342900" indent="-342900"/>
+            <a:r>
+              <a:rPr lang="en-US" sz="1600" dirty="0" smtClean="0"/>
+              <a:t>			</a:t>
+            </a:r>
+            <a:r>
+              <a:rPr lang="en-US" sz="1600" dirty="0" err="1" smtClean="0"/>
+              <a:t>tmp</a:t>
+            </a:r>
+            <a:r>
+              <a:rPr lang="en-US" sz="1600" dirty="0" smtClean="0"/>
+              <a:t>:=-Search(depth-1, </a:t>
+            </a:r>
+            <a:r>
+              <a:rPr lang="en-US" sz="1600" dirty="0" err="1" smtClean="0"/>
+              <a:t>GetEnemyColor</a:t>
+            </a:r>
+            <a:r>
+              <a:rPr lang="en-US" sz="1600" dirty="0" smtClean="0"/>
+              <a:t>());</a:t>
+            </a:r>
+          </a:p>
+          <a:p>
+            <a:pPr marL="342900" indent="-342900"/>
+            <a:r>
+              <a:rPr lang="en-US" sz="1600" dirty="0" smtClean="0"/>
+              <a:t>			</a:t>
+            </a:r>
+            <a:r>
+              <a:rPr lang="en-US" sz="1600" dirty="0" err="1" smtClean="0"/>
+              <a:t>UnMakeMove</a:t>
+            </a:r>
+            <a:r>
+              <a:rPr lang="en-US" sz="1600" dirty="0" smtClean="0"/>
+              <a:t>();</a:t>
+            </a:r>
+          </a:p>
+          <a:p>
+            <a:pPr marL="342900" indent="-342900"/>
+            <a:r>
+              <a:rPr lang="en-US" sz="1600" dirty="0" smtClean="0"/>
+              <a:t>			</a:t>
+            </a:r>
+            <a:r>
+              <a:rPr lang="en-US" sz="1600" b="1" dirty="0" smtClean="0"/>
+              <a:t>if</a:t>
+            </a:r>
+            <a:r>
+              <a:rPr lang="en-US" sz="1600" dirty="0" smtClean="0"/>
+              <a:t>  score&lt;</a:t>
+            </a:r>
+            <a:r>
+              <a:rPr lang="en-US" sz="1600" dirty="0" err="1" smtClean="0"/>
+              <a:t>tmp</a:t>
+            </a:r>
+            <a:r>
+              <a:rPr lang="en-US" sz="1600" dirty="0" smtClean="0"/>
+              <a:t>  </a:t>
+            </a:r>
+            <a:r>
+              <a:rPr lang="en-US" sz="1600" b="1" dirty="0" smtClean="0"/>
+              <a:t>then</a:t>
+            </a:r>
+            <a:r>
+              <a:rPr lang="en-US" sz="1600" dirty="0" smtClean="0"/>
+              <a:t>  score:=</a:t>
+            </a:r>
+            <a:r>
+              <a:rPr lang="en-US" sz="1600" dirty="0" err="1" smtClean="0"/>
+              <a:t>tmp</a:t>
+            </a:r>
+            <a:r>
+              <a:rPr lang="en-US" sz="1600" dirty="0" smtClean="0"/>
+              <a:t>;</a:t>
+            </a:r>
+          </a:p>
+          <a:p>
+            <a:pPr marL="342900" indent="-342900"/>
             <a:r>
               <a:rPr lang="en-US" sz="1600" dirty="0" smtClean="0"/>
               <a:t>		</a:t>
             </a:r>
             <a:r>
-              <a:rPr lang="en-US" sz="1600" dirty="0" err="1" smtClean="0"/>
-              <a:t>MakeMove</a:t>
-            </a:r>
-            <a:r>
-              <a:rPr lang="en-US" sz="1600" dirty="0" smtClean="0"/>
-              <a:t>();</a:t>
-            </a:r>
-          </a:p>
-          <a:p>
-            <a:pPr marL="342900" indent="-342900"/>
-            <a:r>
-              <a:rPr lang="en-US" sz="1600" dirty="0" smtClean="0"/>
-              <a:t>	</a:t>
-            </a:r>
-            <a:r>
-              <a:rPr lang="en-US" sz="1600" dirty="0" smtClean="0"/>
-              <a:t>		</a:t>
-            </a:r>
-            <a:r>
-              <a:rPr lang="en-US" sz="1600" dirty="0" err="1" smtClean="0"/>
-              <a:t>tmp</a:t>
-            </a:r>
-            <a:r>
-              <a:rPr lang="en-US" sz="1600" dirty="0" smtClean="0"/>
-              <a:t>:=-Search(depth-1, </a:t>
-            </a:r>
-            <a:r>
-              <a:rPr lang="en-US" sz="1600" dirty="0" err="1" smtClean="0"/>
-              <a:t>GetEnemyColor</a:t>
-            </a:r>
-            <a:r>
-              <a:rPr lang="en-US" sz="1600" dirty="0" smtClean="0"/>
-              <a:t>());</a:t>
-            </a:r>
-          </a:p>
-          <a:p>
-            <a:pPr marL="342900" indent="-342900"/>
-            <a:r>
-              <a:rPr lang="en-US" sz="1600" dirty="0" smtClean="0"/>
-              <a:t>	</a:t>
-            </a:r>
-            <a:r>
-              <a:rPr lang="en-US" sz="1600" dirty="0" smtClean="0"/>
-              <a:t>		</a:t>
-            </a:r>
-            <a:r>
-              <a:rPr lang="en-US" sz="1600" dirty="0" err="1" smtClean="0"/>
-              <a:t>UnMakeMove</a:t>
-            </a:r>
-            <a:r>
-              <a:rPr lang="en-US" sz="1600" dirty="0" smtClean="0"/>
-              <a:t>();</a:t>
-            </a:r>
-          </a:p>
-          <a:p>
-            <a:pPr marL="342900" indent="-342900"/>
-            <a:r>
-              <a:rPr lang="en-US" sz="1600" dirty="0" smtClean="0"/>
-              <a:t>	</a:t>
-            </a:r>
-            <a:r>
-              <a:rPr lang="en-US" sz="1600" dirty="0" smtClean="0"/>
-              <a:t>		</a:t>
-            </a:r>
-            <a:r>
-              <a:rPr lang="en-US" sz="1600" b="1" dirty="0" smtClean="0"/>
-              <a:t>if</a:t>
-            </a:r>
-            <a:r>
-              <a:rPr lang="en-US" sz="1600" dirty="0" smtClean="0"/>
-              <a:t>  score&lt;</a:t>
-            </a:r>
-            <a:r>
-              <a:rPr lang="en-US" sz="1600" dirty="0" err="1" smtClean="0"/>
-              <a:t>tmp</a:t>
-            </a:r>
-            <a:r>
-              <a:rPr lang="en-US" sz="1600" dirty="0" smtClean="0"/>
-              <a:t>  </a:t>
-            </a:r>
-            <a:r>
-              <a:rPr lang="en-US" sz="1600" b="1" dirty="0" smtClean="0"/>
-              <a:t>then</a:t>
-            </a:r>
-            <a:r>
-              <a:rPr lang="en-US" sz="1600" dirty="0" smtClean="0"/>
-              <a:t>  score:=</a:t>
-            </a:r>
-            <a:r>
-              <a:rPr lang="en-US" sz="1600" dirty="0" err="1" smtClean="0"/>
-              <a:t>tmp</a:t>
-            </a:r>
-            <a:r>
-              <a:rPr lang="en-US" sz="1600" dirty="0" smtClean="0"/>
-              <a:t>;</a:t>
-            </a:r>
-          </a:p>
-          <a:p>
-            <a:pPr marL="342900" indent="-342900"/>
-            <a:r>
-              <a:rPr lang="en-US" sz="1600" dirty="0" smtClean="0"/>
-              <a:t>	</a:t>
-            </a:r>
-            <a:r>
-              <a:rPr lang="en-US" sz="1600" dirty="0" smtClean="0"/>
-              <a:t>	</a:t>
-            </a:r>
-            <a:r>
               <a:rPr lang="en-US" sz="1600" b="1" dirty="0" smtClean="0"/>
               <a:t>           END;</a:t>
             </a:r>
@@ -10512,11 +10658,7 @@
             <a:pPr marL="342900" indent="-342900"/>
             <a:r>
               <a:rPr lang="en-US" sz="1600" b="1" dirty="0" smtClean="0"/>
-              <a:t>	</a:t>
-            </a:r>
-            <a:r>
-              <a:rPr lang="en-US" sz="1600" b="1" dirty="0" smtClean="0"/>
-              <a:t>	</a:t>
+              <a:t>		</a:t>
             </a:r>
             <a:r>
               <a:rPr lang="en-US" sz="1600" dirty="0" smtClean="0"/>
@@ -10527,11 +10669,7 @@
             <a:pPr marL="342900" indent="-342900"/>
             <a:r>
               <a:rPr lang="en-US" sz="1600" b="1" dirty="0" smtClean="0"/>
-              <a:t>	 </a:t>
-            </a:r>
-            <a:r>
-              <a:rPr lang="en-US" sz="1600" b="1" dirty="0" smtClean="0"/>
-              <a:t>     END;</a:t>
+              <a:t>	      END;</a:t>
             </a:r>
           </a:p>
           <a:p>
@@ -10603,14 +10741,870 @@
       </p:sp>
       <p:sp>
         <p:nvSpPr>
-          <p:cNvPr id="5" name="TextBox 4"/>
+          <p:cNvPr id="8" name="Овал 7"/>
+          <p:cNvSpPr/>
+          <p:nvPr/>
+        </p:nvSpPr>
+        <p:spPr>
+          <a:xfrm>
+            <a:off x="3571868" y="1785926"/>
+            <a:ext cx="1071570" cy="571504"/>
+          </a:xfrm>
+          <a:prstGeom prst="ellipse">
+            <a:avLst/>
+          </a:prstGeom>
+        </p:spPr>
+        <p:style>
+          <a:lnRef idx="2">
+            <a:schemeClr val="accent4">
+              <a:shade val="50000"/>
+            </a:schemeClr>
+          </a:lnRef>
+          <a:fillRef idx="1">
+            <a:schemeClr val="accent4"/>
+          </a:fillRef>
+          <a:effectRef idx="0">
+            <a:schemeClr val="accent4"/>
+          </a:effectRef>
+          <a:fontRef idx="minor">
+            <a:schemeClr val="lt1"/>
+          </a:fontRef>
+        </p:style>
+        <p:txBody>
+          <a:bodyPr rtlCol="0" anchor="ctr"/>
+          <a:lstStyle/>
+          <a:p>
+            <a:pPr algn="ctr"/>
+            <a:r>
+              <a:rPr lang="el-GR" dirty="0" smtClean="0"/>
+              <a:t>α</a:t>
+            </a:r>
+            <a:r>
+              <a:rPr lang="en-US" dirty="0" smtClean="0"/>
+              <a:t>=4</a:t>
+            </a:r>
+            <a:endParaRPr lang="ru-RU" dirty="0"/>
+          </a:p>
+        </p:txBody>
+      </p:sp>
+      <p:sp>
+        <p:nvSpPr>
+          <p:cNvPr id="9" name="Овал 8"/>
+          <p:cNvSpPr/>
+          <p:nvPr/>
+        </p:nvSpPr>
+        <p:spPr>
+          <a:xfrm>
+            <a:off x="6929454" y="4071942"/>
+            <a:ext cx="1071570" cy="571504"/>
+          </a:xfrm>
+          <a:prstGeom prst="ellipse">
+            <a:avLst/>
+          </a:prstGeom>
+        </p:spPr>
+        <p:style>
+          <a:lnRef idx="2">
+            <a:schemeClr val="accent4">
+              <a:shade val="50000"/>
+            </a:schemeClr>
+          </a:lnRef>
+          <a:fillRef idx="1">
+            <a:schemeClr val="accent4"/>
+          </a:fillRef>
+          <a:effectRef idx="0">
+            <a:schemeClr val="accent4"/>
+          </a:effectRef>
+          <a:fontRef idx="minor">
+            <a:schemeClr val="lt1"/>
+          </a:fontRef>
+        </p:style>
+        <p:txBody>
+          <a:bodyPr rtlCol="0" anchor="ctr"/>
+          <a:lstStyle/>
+          <a:p>
+            <a:pPr algn="ctr"/>
+            <a:endParaRPr lang="ru-RU" dirty="0"/>
+          </a:p>
+        </p:txBody>
+      </p:sp>
+      <p:sp>
+        <p:nvSpPr>
+          <p:cNvPr id="10" name="Овал 9"/>
+          <p:cNvSpPr/>
+          <p:nvPr/>
+        </p:nvSpPr>
+        <p:spPr>
+          <a:xfrm>
+            <a:off x="4214810" y="4071942"/>
+            <a:ext cx="1071570" cy="571504"/>
+          </a:xfrm>
+          <a:prstGeom prst="ellipse">
+            <a:avLst/>
+          </a:prstGeom>
+        </p:spPr>
+        <p:style>
+          <a:lnRef idx="2">
+            <a:schemeClr val="accent4">
+              <a:shade val="50000"/>
+            </a:schemeClr>
+          </a:lnRef>
+          <a:fillRef idx="1">
+            <a:schemeClr val="accent4"/>
+          </a:fillRef>
+          <a:effectRef idx="0">
+            <a:schemeClr val="accent4"/>
+          </a:effectRef>
+          <a:fontRef idx="minor">
+            <a:schemeClr val="lt1"/>
+          </a:fontRef>
+        </p:style>
+        <p:txBody>
+          <a:bodyPr rtlCol="0" anchor="ctr"/>
+          <a:lstStyle/>
+          <a:p>
+            <a:pPr algn="ctr"/>
+            <a:r>
+              <a:rPr lang="en-US" dirty="0" smtClean="0"/>
+              <a:t>1</a:t>
+            </a:r>
+            <a:endParaRPr lang="ru-RU" dirty="0"/>
+          </a:p>
+        </p:txBody>
+      </p:sp>
+      <p:sp>
+        <p:nvSpPr>
+          <p:cNvPr id="11" name="Овал 10"/>
+          <p:cNvSpPr/>
+          <p:nvPr/>
+        </p:nvSpPr>
+        <p:spPr>
+          <a:xfrm>
+            <a:off x="5572132" y="4071942"/>
+            <a:ext cx="1071570" cy="571504"/>
+          </a:xfrm>
+          <a:prstGeom prst="ellipse">
+            <a:avLst/>
+          </a:prstGeom>
+        </p:spPr>
+        <p:style>
+          <a:lnRef idx="2">
+            <a:schemeClr val="accent4">
+              <a:shade val="50000"/>
+            </a:schemeClr>
+          </a:lnRef>
+          <a:fillRef idx="1">
+            <a:schemeClr val="accent4"/>
+          </a:fillRef>
+          <a:effectRef idx="0">
+            <a:schemeClr val="accent4"/>
+          </a:effectRef>
+          <a:fontRef idx="minor">
+            <a:schemeClr val="lt1"/>
+          </a:fontRef>
+        </p:style>
+        <p:txBody>
+          <a:bodyPr rtlCol="0" anchor="ctr"/>
+          <a:lstStyle/>
+          <a:p>
+            <a:pPr algn="ctr"/>
+            <a:endParaRPr lang="ru-RU" dirty="0"/>
+          </a:p>
+        </p:txBody>
+      </p:sp>
+      <p:sp>
+        <p:nvSpPr>
+          <p:cNvPr id="12" name="Прямоугольник 11"/>
+          <p:cNvSpPr/>
+          <p:nvPr/>
+        </p:nvSpPr>
+        <p:spPr>
+          <a:xfrm>
+            <a:off x="5143504" y="2786058"/>
+            <a:ext cx="1071570" cy="571504"/>
+          </a:xfrm>
+          <a:prstGeom prst="rect">
+            <a:avLst/>
+          </a:prstGeom>
+          <a:ln/>
+        </p:spPr>
+        <p:style>
+          <a:lnRef idx="2">
+            <a:schemeClr val="accent1">
+              <a:shade val="50000"/>
+            </a:schemeClr>
+          </a:lnRef>
+          <a:fillRef idx="1">
+            <a:schemeClr val="accent1"/>
+          </a:fillRef>
+          <a:effectRef idx="0">
+            <a:schemeClr val="accent1"/>
+          </a:effectRef>
+          <a:fontRef idx="minor">
+            <a:schemeClr val="lt1"/>
+          </a:fontRef>
+        </p:style>
+        <p:txBody>
+          <a:bodyPr rtlCol="0" anchor="ctr"/>
+          <a:lstStyle/>
+          <a:p>
+            <a:pPr algn="ctr"/>
+            <a:r>
+              <a:rPr lang="el-GR" dirty="0" smtClean="0"/>
+              <a:t>β</a:t>
+            </a:r>
+            <a:r>
+              <a:rPr lang="en-US" dirty="0" smtClean="0"/>
+              <a:t>=-1&gt;-</a:t>
+            </a:r>
+            <a:r>
+              <a:rPr lang="el-GR" dirty="0" smtClean="0"/>
+              <a:t>α</a:t>
+            </a:r>
+            <a:endParaRPr lang="ru-RU" dirty="0"/>
+          </a:p>
+        </p:txBody>
+      </p:sp>
+      <p:sp>
+        <p:nvSpPr>
+          <p:cNvPr id="13" name="Прямоугольник 12"/>
+          <p:cNvSpPr/>
+          <p:nvPr/>
+        </p:nvSpPr>
+        <p:spPr>
+          <a:xfrm>
+            <a:off x="2071670" y="2786058"/>
+            <a:ext cx="1071570" cy="571504"/>
+          </a:xfrm>
+          <a:prstGeom prst="rect">
+            <a:avLst/>
+          </a:prstGeom>
+          <a:ln/>
+        </p:spPr>
+        <p:style>
+          <a:lnRef idx="2">
+            <a:schemeClr val="accent1">
+              <a:shade val="50000"/>
+            </a:schemeClr>
+          </a:lnRef>
+          <a:fillRef idx="1">
+            <a:schemeClr val="accent1"/>
+          </a:fillRef>
+          <a:effectRef idx="0">
+            <a:schemeClr val="accent1"/>
+          </a:effectRef>
+          <a:fontRef idx="minor">
+            <a:schemeClr val="lt1"/>
+          </a:fontRef>
+        </p:style>
+        <p:txBody>
+          <a:bodyPr rtlCol="0" anchor="ctr"/>
+          <a:lstStyle/>
+          <a:p>
+            <a:pPr algn="ctr"/>
+            <a:r>
+              <a:rPr lang="en-US" dirty="0" smtClean="0"/>
+              <a:t>-4</a:t>
+            </a:r>
+            <a:endParaRPr lang="ru-RU" dirty="0"/>
+          </a:p>
+        </p:txBody>
+      </p:sp>
+      <p:cxnSp>
+        <p:nvCxnSpPr>
+          <p:cNvPr id="14" name="Прямая со стрелкой 13"/>
+          <p:cNvCxnSpPr>
+            <a:endCxn id="12" idx="0"/>
+          </p:cNvCxnSpPr>
+          <p:nvPr/>
+        </p:nvCxnSpPr>
+        <p:spPr>
+          <a:xfrm>
+            <a:off x="4143372" y="2357431"/>
+            <a:ext cx="1535917" cy="428627"/>
+          </a:xfrm>
+          <a:prstGeom prst="straightConnector1">
+            <a:avLst/>
+          </a:prstGeom>
+          <a:ln>
+            <a:tailEnd type="arrow"/>
+          </a:ln>
+        </p:spPr>
+        <p:style>
+          <a:lnRef idx="1">
+            <a:schemeClr val="accent1"/>
+          </a:lnRef>
+          <a:fillRef idx="0">
+            <a:schemeClr val="accent1"/>
+          </a:fillRef>
+          <a:effectRef idx="0">
+            <a:schemeClr val="accent1"/>
+          </a:effectRef>
+          <a:fontRef idx="minor">
+            <a:schemeClr val="tx1"/>
+          </a:fontRef>
+        </p:style>
+      </p:cxnSp>
+      <p:cxnSp>
+        <p:nvCxnSpPr>
+          <p:cNvPr id="16" name="Прямая со стрелкой 15"/>
+          <p:cNvCxnSpPr>
+            <a:endCxn id="13" idx="0"/>
+          </p:cNvCxnSpPr>
+          <p:nvPr/>
+        </p:nvCxnSpPr>
+        <p:spPr>
+          <a:xfrm rot="10800000" flipV="1">
+            <a:off x="2607456" y="2357430"/>
+            <a:ext cx="1535917" cy="428627"/>
+          </a:xfrm>
+          <a:prstGeom prst="straightConnector1">
+            <a:avLst/>
+          </a:prstGeom>
+          <a:ln>
+            <a:tailEnd type="arrow"/>
+          </a:ln>
+        </p:spPr>
+        <p:style>
+          <a:lnRef idx="1">
+            <a:schemeClr val="accent1"/>
+          </a:lnRef>
+          <a:fillRef idx="0">
+            <a:schemeClr val="accent1"/>
+          </a:fillRef>
+          <a:effectRef idx="0">
+            <a:schemeClr val="accent1"/>
+          </a:effectRef>
+          <a:fontRef idx="minor">
+            <a:schemeClr val="tx1"/>
+          </a:fontRef>
+        </p:style>
+      </p:cxnSp>
+      <p:cxnSp>
+        <p:nvCxnSpPr>
+          <p:cNvPr id="18" name="Прямая со стрелкой 17"/>
+          <p:cNvCxnSpPr>
+            <a:endCxn id="9" idx="0"/>
+          </p:cNvCxnSpPr>
+          <p:nvPr/>
+        </p:nvCxnSpPr>
+        <p:spPr>
+          <a:xfrm>
+            <a:off x="5715008" y="3357563"/>
+            <a:ext cx="1750231" cy="714379"/>
+          </a:xfrm>
+          <a:prstGeom prst="straightConnector1">
+            <a:avLst/>
+          </a:prstGeom>
+          <a:ln>
+            <a:tailEnd type="arrow"/>
+          </a:ln>
+        </p:spPr>
+        <p:style>
+          <a:lnRef idx="1">
+            <a:schemeClr val="accent1"/>
+          </a:lnRef>
+          <a:fillRef idx="0">
+            <a:schemeClr val="accent1"/>
+          </a:fillRef>
+          <a:effectRef idx="0">
+            <a:schemeClr val="accent1"/>
+          </a:effectRef>
+          <a:fontRef idx="minor">
+            <a:schemeClr val="tx1"/>
+          </a:fontRef>
+        </p:style>
+      </p:cxnSp>
+      <p:cxnSp>
+        <p:nvCxnSpPr>
+          <p:cNvPr id="20" name="Прямая со стрелкой 19"/>
+          <p:cNvCxnSpPr>
+            <a:endCxn id="11" idx="0"/>
+          </p:cNvCxnSpPr>
+          <p:nvPr/>
+        </p:nvCxnSpPr>
+        <p:spPr>
+          <a:xfrm rot="16200000" flipH="1">
+            <a:off x="5554273" y="3518297"/>
+            <a:ext cx="714379" cy="392909"/>
+          </a:xfrm>
+          <a:prstGeom prst="straightConnector1">
+            <a:avLst/>
+          </a:prstGeom>
+          <a:ln>
+            <a:tailEnd type="arrow"/>
+          </a:ln>
+        </p:spPr>
+        <p:style>
+          <a:lnRef idx="1">
+            <a:schemeClr val="accent1"/>
+          </a:lnRef>
+          <a:fillRef idx="0">
+            <a:schemeClr val="accent1"/>
+          </a:fillRef>
+          <a:effectRef idx="0">
+            <a:schemeClr val="accent1"/>
+          </a:effectRef>
+          <a:fontRef idx="minor">
+            <a:schemeClr val="tx1"/>
+          </a:fontRef>
+        </p:style>
+      </p:cxnSp>
+      <p:cxnSp>
+        <p:nvCxnSpPr>
+          <p:cNvPr id="22" name="Прямая со стрелкой 21"/>
+          <p:cNvCxnSpPr>
+            <a:endCxn id="10" idx="0"/>
+          </p:cNvCxnSpPr>
+          <p:nvPr/>
+        </p:nvCxnSpPr>
+        <p:spPr>
+          <a:xfrm rot="10800000" flipV="1">
+            <a:off x="4750596" y="3357562"/>
+            <a:ext cx="964413" cy="714379"/>
+          </a:xfrm>
+          <a:prstGeom prst="straightConnector1">
+            <a:avLst/>
+          </a:prstGeom>
+          <a:ln>
+            <a:tailEnd type="arrow"/>
+          </a:ln>
+        </p:spPr>
+        <p:style>
+          <a:lnRef idx="1">
+            <a:schemeClr val="accent1"/>
+          </a:lnRef>
+          <a:fillRef idx="0">
+            <a:schemeClr val="accent1"/>
+          </a:fillRef>
+          <a:effectRef idx="0">
+            <a:schemeClr val="accent1"/>
+          </a:effectRef>
+          <a:fontRef idx="minor">
+            <a:schemeClr val="tx1"/>
+          </a:fontRef>
+        </p:style>
+      </p:cxnSp>
+      <p:grpSp>
+        <p:nvGrpSpPr>
+          <p:cNvPr id="29" name="Группа 28"/>
+          <p:cNvGrpSpPr/>
+          <p:nvPr/>
+        </p:nvGrpSpPr>
+        <p:grpSpPr>
+          <a:xfrm>
+            <a:off x="5857884" y="3714752"/>
+            <a:ext cx="214314" cy="73026"/>
+            <a:chOff x="5857884" y="3714752"/>
+            <a:chExt cx="214314" cy="73026"/>
+          </a:xfrm>
+        </p:grpSpPr>
+        <p:cxnSp>
+          <p:nvCxnSpPr>
+            <p:cNvPr id="27" name="Прямая соединительная линия 26"/>
+            <p:cNvCxnSpPr/>
+            <p:nvPr/>
+          </p:nvCxnSpPr>
+          <p:spPr>
+            <a:xfrm>
+              <a:off x="5857884" y="3714752"/>
+              <a:ext cx="214314" cy="1588"/>
+            </a:xfrm>
+            <a:prstGeom prst="line">
+              <a:avLst/>
+            </a:prstGeom>
+          </p:spPr>
+          <p:style>
+            <a:lnRef idx="1">
+              <a:schemeClr val="accent1"/>
+            </a:lnRef>
+            <a:fillRef idx="0">
+              <a:schemeClr val="accent1"/>
+            </a:fillRef>
+            <a:effectRef idx="0">
+              <a:schemeClr val="accent1"/>
+            </a:effectRef>
+            <a:fontRef idx="minor">
+              <a:schemeClr val="tx1"/>
+            </a:fontRef>
+          </p:style>
+        </p:cxnSp>
+        <p:cxnSp>
+          <p:nvCxnSpPr>
+            <p:cNvPr id="28" name="Прямая соединительная линия 27"/>
+            <p:cNvCxnSpPr/>
+            <p:nvPr/>
+          </p:nvCxnSpPr>
+          <p:spPr>
+            <a:xfrm>
+              <a:off x="5857884" y="3786190"/>
+              <a:ext cx="214314" cy="1588"/>
+            </a:xfrm>
+            <a:prstGeom prst="line">
+              <a:avLst/>
+            </a:prstGeom>
+          </p:spPr>
+          <p:style>
+            <a:lnRef idx="1">
+              <a:schemeClr val="accent1"/>
+            </a:lnRef>
+            <a:fillRef idx="0">
+              <a:schemeClr val="accent1"/>
+            </a:fillRef>
+            <a:effectRef idx="0">
+              <a:schemeClr val="accent1"/>
+            </a:effectRef>
+            <a:fontRef idx="minor">
+              <a:schemeClr val="tx1"/>
+            </a:fontRef>
+          </p:style>
+        </p:cxnSp>
+      </p:grpSp>
+      <p:grpSp>
+        <p:nvGrpSpPr>
+          <p:cNvPr id="40" name="Группа 39"/>
+          <p:cNvGrpSpPr/>
+          <p:nvPr/>
+        </p:nvGrpSpPr>
+        <p:grpSpPr>
+          <a:xfrm>
+            <a:off x="6572264" y="3714752"/>
+            <a:ext cx="214314" cy="73026"/>
+            <a:chOff x="5857884" y="3714752"/>
+            <a:chExt cx="214314" cy="73026"/>
+          </a:xfrm>
+        </p:grpSpPr>
+        <p:cxnSp>
+          <p:nvCxnSpPr>
+            <p:cNvPr id="41" name="Прямая соединительная линия 40"/>
+            <p:cNvCxnSpPr/>
+            <p:nvPr/>
+          </p:nvCxnSpPr>
+          <p:spPr>
+            <a:xfrm>
+              <a:off x="5857884" y="3714752"/>
+              <a:ext cx="214314" cy="1588"/>
+            </a:xfrm>
+            <a:prstGeom prst="line">
+              <a:avLst/>
+            </a:prstGeom>
+          </p:spPr>
+          <p:style>
+            <a:lnRef idx="1">
+              <a:schemeClr val="accent1"/>
+            </a:lnRef>
+            <a:fillRef idx="0">
+              <a:schemeClr val="accent1"/>
+            </a:fillRef>
+            <a:effectRef idx="0">
+              <a:schemeClr val="accent1"/>
+            </a:effectRef>
+            <a:fontRef idx="minor">
+              <a:schemeClr val="tx1"/>
+            </a:fontRef>
+          </p:style>
+        </p:cxnSp>
+        <p:cxnSp>
+          <p:nvCxnSpPr>
+            <p:cNvPr id="42" name="Прямая соединительная линия 41"/>
+            <p:cNvCxnSpPr/>
+            <p:nvPr/>
+          </p:nvCxnSpPr>
+          <p:spPr>
+            <a:xfrm>
+              <a:off x="5857884" y="3786190"/>
+              <a:ext cx="214314" cy="1588"/>
+            </a:xfrm>
+            <a:prstGeom prst="line">
+              <a:avLst/>
+            </a:prstGeom>
+          </p:spPr>
+          <p:style>
+            <a:lnRef idx="1">
+              <a:schemeClr val="accent1"/>
+            </a:lnRef>
+            <a:fillRef idx="0">
+              <a:schemeClr val="accent1"/>
+            </a:fillRef>
+            <a:effectRef idx="0">
+              <a:schemeClr val="accent1"/>
+            </a:effectRef>
+            <a:fontRef idx="minor">
+              <a:schemeClr val="tx1"/>
+            </a:fontRef>
+          </p:style>
+        </p:cxnSp>
+      </p:grpSp>
+      <p:cxnSp>
+        <p:nvCxnSpPr>
+          <p:cNvPr id="44" name="Прямая со стрелкой 43"/>
+          <p:cNvCxnSpPr/>
+          <p:nvPr/>
+        </p:nvCxnSpPr>
+        <p:spPr>
+          <a:xfrm rot="5400000" flipH="1" flipV="1">
+            <a:off x="5179223" y="4822041"/>
+            <a:ext cx="642942" cy="571504"/>
+          </a:xfrm>
+          <a:prstGeom prst="straightConnector1">
+            <a:avLst/>
+          </a:prstGeom>
+          <a:ln>
+            <a:solidFill>
+              <a:schemeClr val="tx1"/>
+            </a:solidFill>
+            <a:tailEnd type="arrow"/>
+          </a:ln>
+        </p:spPr>
+        <p:style>
+          <a:lnRef idx="1">
+            <a:schemeClr val="accent1"/>
+          </a:lnRef>
+          <a:fillRef idx="0">
+            <a:schemeClr val="accent1"/>
+          </a:fillRef>
+          <a:effectRef idx="0">
+            <a:schemeClr val="accent1"/>
+          </a:effectRef>
+          <a:fontRef idx="minor">
+            <a:schemeClr val="tx1"/>
+          </a:fontRef>
+        </p:style>
+      </p:cxnSp>
+      <p:cxnSp>
+        <p:nvCxnSpPr>
+          <p:cNvPr id="46" name="Прямая со стрелкой 45"/>
+          <p:cNvCxnSpPr/>
+          <p:nvPr/>
+        </p:nvCxnSpPr>
+        <p:spPr>
+          <a:xfrm flipV="1">
+            <a:off x="5214942" y="4786322"/>
+            <a:ext cx="2143140" cy="642942"/>
+          </a:xfrm>
+          <a:prstGeom prst="straightConnector1">
+            <a:avLst/>
+          </a:prstGeom>
+          <a:ln>
+            <a:solidFill>
+              <a:schemeClr val="tx1"/>
+            </a:solidFill>
+            <a:tailEnd type="arrow"/>
+          </a:ln>
+        </p:spPr>
+        <p:style>
+          <a:lnRef idx="1">
+            <a:schemeClr val="accent1"/>
+          </a:lnRef>
+          <a:fillRef idx="0">
+            <a:schemeClr val="accent1"/>
+          </a:fillRef>
+          <a:effectRef idx="0">
+            <a:schemeClr val="accent1"/>
+          </a:effectRef>
+          <a:fontRef idx="minor">
+            <a:schemeClr val="tx1"/>
+          </a:fontRef>
+        </p:style>
+      </p:cxnSp>
+      <p:sp>
+        <p:nvSpPr>
+          <p:cNvPr id="50" name="TextBox 49"/>
           <p:cNvSpPr txBox="1"/>
           <p:nvPr/>
         </p:nvSpPr>
         <p:spPr>
           <a:xfrm>
-            <a:off x="785786" y="1571612"/>
-            <a:ext cx="5820440" cy="1200329"/>
+            <a:off x="4214810" y="5429264"/>
+            <a:ext cx="4429156" cy="646331"/>
+          </a:xfrm>
+          <a:prstGeom prst="rect">
+            <a:avLst/>
+          </a:prstGeom>
+          <a:noFill/>
+          <a:ln>
+            <a:solidFill>
+              <a:schemeClr val="tx1"/>
+            </a:solidFill>
+          </a:ln>
+        </p:spPr>
+        <p:txBody>
+          <a:bodyPr wrap="square" rtlCol="0">
+            <a:spAutoFit/>
+          </a:bodyPr>
+          <a:lstStyle/>
+          <a:p>
+            <a:r>
+              <a:rPr lang="ru-RU" i="1" dirty="0" smtClean="0"/>
+              <a:t>Далее просчитывать нет смысла, т.к. результаты все равно не будут записаны</a:t>
+            </a:r>
+            <a:endParaRPr lang="ru-RU" i="1" dirty="0"/>
+          </a:p>
+        </p:txBody>
+      </p:sp>
+      <p:cxnSp>
+        <p:nvCxnSpPr>
+          <p:cNvPr id="51" name="Прямая со стрелкой 50"/>
+          <p:cNvCxnSpPr>
+            <a:stCxn id="54" idx="3"/>
+          </p:cNvCxnSpPr>
+          <p:nvPr/>
+        </p:nvCxnSpPr>
+        <p:spPr>
+          <a:xfrm>
+            <a:off x="2786050" y="1966216"/>
+            <a:ext cx="785818" cy="176900"/>
+          </a:xfrm>
+          <a:prstGeom prst="straightConnector1">
+            <a:avLst/>
+          </a:prstGeom>
+          <a:ln>
+            <a:solidFill>
+              <a:schemeClr val="tx1"/>
+            </a:solidFill>
+            <a:tailEnd type="arrow"/>
+          </a:ln>
+        </p:spPr>
+        <p:style>
+          <a:lnRef idx="1">
+            <a:schemeClr val="accent1"/>
+          </a:lnRef>
+          <a:fillRef idx="0">
+            <a:schemeClr val="accent1"/>
+          </a:fillRef>
+          <a:effectRef idx="0">
+            <a:schemeClr val="accent1"/>
+          </a:effectRef>
+          <a:fontRef idx="minor">
+            <a:schemeClr val="tx1"/>
+          </a:fontRef>
+        </p:style>
+      </p:cxnSp>
+      <p:sp>
+        <p:nvSpPr>
+          <p:cNvPr id="54" name="TextBox 53"/>
+          <p:cNvSpPr txBox="1"/>
+          <p:nvPr/>
+        </p:nvSpPr>
+        <p:spPr>
+          <a:xfrm>
+            <a:off x="642910" y="1643050"/>
+            <a:ext cx="2143140" cy="646331"/>
+          </a:xfrm>
+          <a:prstGeom prst="rect">
+            <a:avLst/>
+          </a:prstGeom>
+          <a:noFill/>
+          <a:ln>
+            <a:solidFill>
+              <a:schemeClr val="tx1"/>
+            </a:solidFill>
+          </a:ln>
+        </p:spPr>
+        <p:txBody>
+          <a:bodyPr wrap="square" rtlCol="0">
+            <a:spAutoFit/>
+          </a:bodyPr>
+          <a:lstStyle/>
+          <a:p>
+            <a:r>
+              <a:rPr lang="el-GR" dirty="0" smtClean="0"/>
+              <a:t>α</a:t>
+            </a:r>
+            <a:r>
+              <a:rPr lang="ru-RU" i="1" dirty="0" smtClean="0"/>
+              <a:t> – максимум для 1 игрока </a:t>
+            </a:r>
+            <a:endParaRPr lang="ru-RU" i="1" dirty="0"/>
+          </a:p>
+        </p:txBody>
+      </p:sp>
+      <p:cxnSp>
+        <p:nvCxnSpPr>
+          <p:cNvPr id="56" name="Прямая со стрелкой 55"/>
+          <p:cNvCxnSpPr>
+            <a:stCxn id="58" idx="1"/>
+          </p:cNvCxnSpPr>
+          <p:nvPr/>
+        </p:nvCxnSpPr>
+        <p:spPr>
+          <a:xfrm rot="10800000" flipV="1">
+            <a:off x="5929322" y="2394844"/>
+            <a:ext cx="642942" cy="391214"/>
+          </a:xfrm>
+          <a:prstGeom prst="straightConnector1">
+            <a:avLst/>
+          </a:prstGeom>
+          <a:ln>
+            <a:solidFill>
+              <a:schemeClr val="tx1"/>
+            </a:solidFill>
+            <a:tailEnd type="arrow"/>
+          </a:ln>
+        </p:spPr>
+        <p:style>
+          <a:lnRef idx="1">
+            <a:schemeClr val="accent1"/>
+          </a:lnRef>
+          <a:fillRef idx="0">
+            <a:schemeClr val="accent1"/>
+          </a:fillRef>
+          <a:effectRef idx="0">
+            <a:schemeClr val="accent1"/>
+          </a:effectRef>
+          <a:fontRef idx="minor">
+            <a:schemeClr val="tx1"/>
+          </a:fontRef>
+        </p:style>
+      </p:cxnSp>
+      <p:sp>
+        <p:nvSpPr>
+          <p:cNvPr id="58" name="TextBox 57"/>
+          <p:cNvSpPr txBox="1"/>
+          <p:nvPr/>
+        </p:nvSpPr>
+        <p:spPr>
+          <a:xfrm>
+            <a:off x="6572264" y="2071678"/>
+            <a:ext cx="2143140" cy="646331"/>
+          </a:xfrm>
+          <a:prstGeom prst="rect">
+            <a:avLst/>
+          </a:prstGeom>
+          <a:noFill/>
+          <a:ln>
+            <a:solidFill>
+              <a:schemeClr val="tx1"/>
+            </a:solidFill>
+          </a:ln>
+        </p:spPr>
+        <p:txBody>
+          <a:bodyPr wrap="square" rtlCol="0">
+            <a:spAutoFit/>
+          </a:bodyPr>
+          <a:lstStyle/>
+          <a:p>
+            <a:r>
+              <a:rPr lang="el-GR" dirty="0" smtClean="0"/>
+              <a:t>β</a:t>
+            </a:r>
+            <a:r>
+              <a:rPr lang="ru-RU" i="1" dirty="0" smtClean="0"/>
+              <a:t> – максимум для 2 игрока </a:t>
+            </a:r>
+            <a:endParaRPr lang="ru-RU" i="1" dirty="0"/>
+          </a:p>
+        </p:txBody>
+      </p:sp>
+      <p:sp>
+        <p:nvSpPr>
+          <p:cNvPr id="61" name="TextBox 60"/>
+          <p:cNvSpPr txBox="1"/>
+          <p:nvPr/>
+        </p:nvSpPr>
+        <p:spPr>
+          <a:xfrm>
+            <a:off x="642910" y="5072074"/>
+            <a:ext cx="3071834" cy="1200329"/>
           </a:xfrm>
           <a:prstGeom prst="rect">
             <a:avLst/>
@@ -10618,90 +11612,97 @@
           <a:noFill/>
         </p:spPr>
         <p:txBody>
-          <a:bodyPr wrap="none" rtlCol="0">
+          <a:bodyPr wrap="square" rtlCol="0">
             <a:spAutoFit/>
           </a:bodyPr>
           <a:lstStyle/>
           <a:p>
             <a:r>
-              <a:rPr lang="en-US" b="1" dirty="0" smtClean="0"/>
-              <a:t>FUNCTION </a:t>
-            </a:r>
-            <a:r>
-              <a:rPr lang="en-US" dirty="0" err="1" smtClean="0"/>
-              <a:t>AlphaBeta</a:t>
-            </a:r>
-            <a:r>
-              <a:rPr lang="en-US" dirty="0" smtClean="0"/>
-              <a:t>(depth</a:t>
-            </a:r>
-            <a:r>
-              <a:rPr lang="en-US" dirty="0" smtClean="0"/>
-              <a:t>, </a:t>
-            </a:r>
-            <a:r>
-              <a:rPr lang="en-US" dirty="0" smtClean="0"/>
-              <a:t>alpha, beta  </a:t>
-            </a:r>
-            <a:r>
-              <a:rPr lang="en-US" dirty="0" smtClean="0"/>
-              <a:t>:</a:t>
-            </a:r>
-            <a:r>
-              <a:rPr lang="en-US" b="1" dirty="0" smtClean="0"/>
-              <a:t>integer</a:t>
-            </a:r>
-            <a:r>
-              <a:rPr lang="en-US" dirty="0" smtClean="0"/>
-              <a:t>)  :</a:t>
-            </a:r>
-            <a:r>
-              <a:rPr lang="en-US" b="1" dirty="0" smtClean="0"/>
-              <a:t>integer</a:t>
-            </a:r>
-            <a:r>
-              <a:rPr lang="en-US" dirty="0" smtClean="0"/>
-              <a:t>;</a:t>
-            </a:r>
-          </a:p>
-          <a:p>
-            <a:r>
-              <a:rPr lang="en-US" dirty="0" smtClean="0"/>
-              <a:t>//alpha – </a:t>
-            </a:r>
-            <a:r>
               <a:rPr lang="ru-RU" dirty="0" smtClean="0"/>
-              <a:t>максимум для текущего игрока</a:t>
-            </a:r>
-          </a:p>
+              <a:t>Исследование показало, что перебор с отсечениями работает в среднем в … раз быстрее. </a:t>
+            </a:r>
+            <a:endParaRPr lang="ru-RU" dirty="0"/>
+          </a:p>
+        </p:txBody>
+      </p:sp>
+      <p:sp>
+        <p:nvSpPr>
+          <p:cNvPr id="62" name="TextBox 61"/>
+          <p:cNvSpPr txBox="1"/>
+          <p:nvPr/>
+        </p:nvSpPr>
+        <p:spPr>
+          <a:xfrm>
+            <a:off x="642910" y="3857628"/>
+            <a:ext cx="2786082" cy="923330"/>
+          </a:xfrm>
+          <a:prstGeom prst="rect">
+            <a:avLst/>
+          </a:prstGeom>
+          <a:noFill/>
+        </p:spPr>
+        <p:txBody>
+          <a:bodyPr wrap="square" rtlCol="0">
+            <a:spAutoFit/>
+          </a:bodyPr>
+          <a:lstStyle/>
           <a:p>
             <a:r>
               <a:rPr lang="ru-RU" dirty="0" smtClean="0"/>
-              <a:t>//</a:t>
-            </a:r>
-            <a:r>
-              <a:rPr lang="en-US" dirty="0" smtClean="0"/>
-              <a:t>beta – </a:t>
-            </a:r>
-            <a:r>
-              <a:rPr lang="ru-RU" dirty="0" smtClean="0"/>
-              <a:t>максимум для противника</a:t>
-            </a:r>
-          </a:p>
-          <a:p>
-            <a:r>
-              <a:rPr lang="ru-RU" dirty="0" smtClean="0"/>
-              <a:t>//</a:t>
-            </a:r>
-            <a:r>
-              <a:rPr lang="en-US" dirty="0" smtClean="0"/>
-              <a:t>depth – </a:t>
-            </a:r>
-            <a:r>
-              <a:rPr lang="ru-RU" dirty="0" smtClean="0"/>
-              <a:t>текущая глубина рекурсии</a:t>
+              <a:t>Результат остается таким же, как и в алгоритме полного перебора.</a:t>
             </a:r>
             <a:endParaRPr lang="ru-RU" dirty="0"/>
+          </a:p>
+        </p:txBody>
+      </p:sp>
+    </p:spTree>
+  </p:cSld>
+  <p:clrMapOvr>
+    <a:masterClrMapping/>
+  </p:clrMapOvr>
+  <p:timing>
+    <p:tnLst>
+      <p:par>
+        <p:cTn id="1" dur="indefinite" restart="never" nodeType="tmRoot"/>
+      </p:par>
+    </p:tnLst>
+  </p:timing>
+</p:sld>
+</file>
+
+<file path=ppt/slides/slide8.xml><?xml version="1.0" encoding="utf-8"?>
+<p:sld xmlns:a="http://schemas.openxmlformats.org/drawingml/2006/main" xmlns:r="http://schemas.openxmlformats.org/officeDocument/2006/relationships" xmlns:p="http://schemas.openxmlformats.org/presentationml/2006/main">
+  <p:cSld>
+    <p:spTree>
+      <p:nvGrpSpPr>
+        <p:cNvPr id="1" name=""/>
+        <p:cNvGrpSpPr/>
+        <p:nvPr/>
+      </p:nvGrpSpPr>
+      <p:grpSpPr>
+        <a:xfrm>
+          <a:off x="0" y="0"/>
+          <a:ext cx="0" cy="0"/>
+          <a:chOff x="0" y="0"/>
+          <a:chExt cx="0" cy="0"/>
+        </a:xfrm>
+      </p:grpSpPr>
+      <p:sp>
+        <p:nvSpPr>
+          <p:cNvPr id="2" name="Заголовок 1"/>
+          <p:cNvSpPr>
+            <a:spLocks noGrp="1"/>
+          </p:cNvSpPr>
+          <p:nvPr>
+            <p:ph type="title"/>
+          </p:nvPr>
+        </p:nvSpPr>
+        <p:spPr/>
+        <p:txBody>
+          <a:bodyPr/>
+          <a:lstStyle/>
+          <a:p>
+            <a:endParaRPr lang="ru-RU"/>
           </a:p>
         </p:txBody>
       </p:sp>

--- a/Project.pptx
+++ b/Project.pptx
@@ -12,8 +12,10 @@
     <p:sldId id="270" r:id="rId6"/>
     <p:sldId id="271" r:id="rId7"/>
     <p:sldId id="267" r:id="rId8"/>
-    <p:sldId id="268" r:id="rId9"/>
-    <p:sldId id="269" r:id="rId10"/>
+    <p:sldId id="269" r:id="rId9"/>
+    <p:sldId id="272" r:id="rId10"/>
+    <p:sldId id="273" r:id="rId11"/>
+    <p:sldId id="274" r:id="rId12"/>
   </p:sldIdLst>
   <p:sldSz cx="9144000" cy="6858000" type="screen4x3"/>
   <p:notesSz cx="6858000" cy="9144000"/>
@@ -3129,6 +3131,864 @@
 </p:sld>
 </file>
 
+<file path=ppt/slides/slide10.xml><?xml version="1.0" encoding="utf-8"?>
+<p:sld xmlns:a="http://schemas.openxmlformats.org/drawingml/2006/main" xmlns:r="http://schemas.openxmlformats.org/officeDocument/2006/relationships" xmlns:p="http://schemas.openxmlformats.org/presentationml/2006/main">
+  <p:cSld>
+    <p:spTree>
+      <p:nvGrpSpPr>
+        <p:cNvPr id="1" name=""/>
+        <p:cNvGrpSpPr/>
+        <p:nvPr/>
+      </p:nvGrpSpPr>
+      <p:grpSpPr>
+        <a:xfrm>
+          <a:off x="0" y="0"/>
+          <a:ext cx="0" cy="0"/>
+          <a:chOff x="0" y="0"/>
+          <a:chExt cx="0" cy="0"/>
+        </a:xfrm>
+      </p:grpSpPr>
+      <p:sp>
+        <p:nvSpPr>
+          <p:cNvPr id="2" name="Заголовок 1"/>
+          <p:cNvSpPr>
+            <a:spLocks noGrp="1"/>
+          </p:cNvSpPr>
+          <p:nvPr>
+            <p:ph type="title"/>
+          </p:nvPr>
+        </p:nvSpPr>
+        <p:spPr/>
+        <p:txBody>
+          <a:bodyPr/>
+          <a:lstStyle/>
+          <a:p>
+            <a:r>
+              <a:rPr lang="ru-RU" dirty="0" smtClean="0"/>
+              <a:t>Вычислительное ядро</a:t>
+            </a:r>
+            <a:endParaRPr lang="ru-RU" dirty="0"/>
+          </a:p>
+        </p:txBody>
+      </p:sp>
+    </p:spTree>
+  </p:cSld>
+  <p:clrMapOvr>
+    <a:masterClrMapping/>
+  </p:clrMapOvr>
+</p:sld>
+</file>
+
+<file path=ppt/slides/slide11.xml><?xml version="1.0" encoding="utf-8"?>
+<p:sld xmlns:a="http://schemas.openxmlformats.org/drawingml/2006/main" xmlns:r="http://schemas.openxmlformats.org/officeDocument/2006/relationships" xmlns:p="http://schemas.openxmlformats.org/presentationml/2006/main">
+  <p:cSld>
+    <p:spTree>
+      <p:nvGrpSpPr>
+        <p:cNvPr id="1" name=""/>
+        <p:cNvGrpSpPr/>
+        <p:nvPr/>
+      </p:nvGrpSpPr>
+      <p:grpSpPr>
+        <a:xfrm>
+          <a:off x="0" y="0"/>
+          <a:ext cx="0" cy="0"/>
+          <a:chOff x="0" y="0"/>
+          <a:chExt cx="0" cy="0"/>
+        </a:xfrm>
+      </p:grpSpPr>
+      <p:sp>
+        <p:nvSpPr>
+          <p:cNvPr id="2" name="Заголовок 1"/>
+          <p:cNvSpPr>
+            <a:spLocks noGrp="1"/>
+          </p:cNvSpPr>
+          <p:nvPr>
+            <p:ph type="title"/>
+          </p:nvPr>
+        </p:nvSpPr>
+        <p:spPr/>
+        <p:txBody>
+          <a:bodyPr/>
+          <a:lstStyle/>
+          <a:p>
+            <a:r>
+              <a:rPr lang="ru-RU" dirty="0" smtClean="0"/>
+              <a:t>Графическая оболочка</a:t>
+            </a:r>
+            <a:endParaRPr lang="ru-RU" dirty="0"/>
+          </a:p>
+        </p:txBody>
+      </p:sp>
+      <p:sp>
+        <p:nvSpPr>
+          <p:cNvPr id="3" name="Прямоугольник 2"/>
+          <p:cNvSpPr/>
+          <p:nvPr/>
+        </p:nvSpPr>
+        <p:spPr>
+          <a:xfrm>
+            <a:off x="1000100" y="1571612"/>
+            <a:ext cx="6965561" cy="369332"/>
+          </a:xfrm>
+          <a:prstGeom prst="rect">
+            <a:avLst/>
+          </a:prstGeom>
+        </p:spPr>
+        <p:txBody>
+          <a:bodyPr wrap="none">
+            <a:spAutoFit/>
+          </a:bodyPr>
+          <a:lstStyle/>
+          <a:p>
+            <a:r>
+              <a:rPr lang="ru-RU" dirty="0" smtClean="0"/>
+              <a:t>Графическая </a:t>
+            </a:r>
+            <a:r>
+              <a:rPr lang="ru-RU" dirty="0" smtClean="0"/>
+              <a:t>часть выполнена по схеме </a:t>
+            </a:r>
+            <a:r>
+              <a:rPr lang="en-US" dirty="0" smtClean="0"/>
+              <a:t>MVC</a:t>
+            </a:r>
+            <a:r>
+              <a:rPr lang="ru-RU" dirty="0" smtClean="0"/>
+              <a:t> (</a:t>
+            </a:r>
+            <a:r>
+              <a:rPr lang="en-US" dirty="0" smtClean="0"/>
+              <a:t>Model</a:t>
+            </a:r>
+            <a:r>
+              <a:rPr lang="ru-RU" dirty="0" smtClean="0"/>
+              <a:t>, </a:t>
+            </a:r>
+            <a:r>
+              <a:rPr lang="en-US" dirty="0" smtClean="0"/>
+              <a:t>View</a:t>
+            </a:r>
+            <a:r>
+              <a:rPr lang="ru-RU" dirty="0" smtClean="0"/>
+              <a:t>, </a:t>
+            </a:r>
+            <a:r>
+              <a:rPr lang="en-US" dirty="0" smtClean="0"/>
+              <a:t>Controller</a:t>
+            </a:r>
+            <a:r>
+              <a:rPr lang="ru-RU" dirty="0" smtClean="0"/>
+              <a:t>)</a:t>
+            </a:r>
+            <a:endParaRPr lang="ru-RU" dirty="0"/>
+          </a:p>
+        </p:txBody>
+      </p:sp>
+      <p:sp>
+        <p:nvSpPr>
+          <p:cNvPr id="2062" name="Rectangle 14"/>
+          <p:cNvSpPr>
+            <a:spLocks noChangeArrowheads="1"/>
+          </p:cNvSpPr>
+          <p:nvPr/>
+        </p:nvSpPr>
+        <p:spPr bwMode="auto">
+          <a:xfrm>
+            <a:off x="0" y="0"/>
+            <a:ext cx="9144000" cy="0"/>
+          </a:xfrm>
+          <a:prstGeom prst="rect">
+            <a:avLst/>
+          </a:prstGeom>
+          <a:noFill/>
+          <a:ln w="9525">
+            <a:noFill/>
+            <a:miter lim="800000"/>
+            <a:headEnd/>
+            <a:tailEnd/>
+          </a:ln>
+          <a:effectLst/>
+        </p:spPr>
+        <p:txBody>
+          <a:bodyPr vert="horz" wrap="none" lIns="91440" tIns="45720" rIns="91440" bIns="45720" numCol="1" anchor="ctr" anchorCtr="0" compatLnSpc="1">
+            <a:prstTxWarp prst="textNoShape">
+              <a:avLst/>
+            </a:prstTxWarp>
+            <a:spAutoFit/>
+          </a:bodyPr>
+          <a:lstStyle/>
+          <a:p>
+            <a:endParaRPr lang="ru-RU"/>
+          </a:p>
+        </p:txBody>
+      </p:sp>
+      <p:grpSp>
+        <p:nvGrpSpPr>
+          <p:cNvPr id="2049" name="Группа 63"/>
+          <p:cNvGrpSpPr>
+            <a:grpSpLocks/>
+          </p:cNvGrpSpPr>
+          <p:nvPr/>
+        </p:nvGrpSpPr>
+        <p:grpSpPr bwMode="auto">
+          <a:xfrm>
+            <a:off x="785786" y="3071810"/>
+            <a:ext cx="7024804" cy="2455870"/>
+            <a:chOff x="0" y="0"/>
+            <a:chExt cx="41639" cy="14552"/>
+          </a:xfrm>
+        </p:grpSpPr>
+        <p:sp>
+          <p:nvSpPr>
+            <p:cNvPr id="4" name="Блок-схема: процесс 2"/>
+            <p:cNvSpPr>
+              <a:spLocks noChangeArrowheads="1"/>
+            </p:cNvSpPr>
+            <p:nvPr/>
+          </p:nvSpPr>
+          <p:spPr bwMode="auto">
+            <a:xfrm>
+              <a:off x="30117" y="9401"/>
+              <a:ext cx="11522" cy="5151"/>
+            </a:xfrm>
+            <a:prstGeom prst="flowChartProcess">
+              <a:avLst/>
+            </a:prstGeom>
+            <a:solidFill>
+              <a:srgbClr val="4F81BD"/>
+            </a:solidFill>
+            <a:ln w="25400">
+              <a:solidFill>
+                <a:srgbClr val="243F60"/>
+              </a:solidFill>
+              <a:miter lim="800000"/>
+              <a:headEnd/>
+              <a:tailEnd/>
+            </a:ln>
+          </p:spPr>
+          <p:txBody>
+            <a:bodyPr vert="horz" wrap="square" lIns="91440" tIns="45720" rIns="91440" bIns="45720" numCol="1" anchor="ctr" anchorCtr="0" compatLnSpc="1">
+              <a:prstTxWarp prst="textNoShape">
+                <a:avLst/>
+              </a:prstTxWarp>
+            </a:bodyPr>
+            <a:lstStyle/>
+            <a:p>
+              <a:pPr marL="0" marR="0" lvl="0" indent="0" algn="ctr" defTabSz="914400" rtl="0" eaLnBrk="1" fontAlgn="base" latinLnBrk="0" hangingPunct="1">
+                <a:lnSpc>
+                  <a:spcPct val="100000"/>
+                </a:lnSpc>
+                <a:spcBef>
+                  <a:spcPct val="0"/>
+                </a:spcBef>
+                <a:spcAft>
+                  <a:spcPct val="0"/>
+                </a:spcAft>
+                <a:buClrTx/>
+                <a:buSzTx/>
+                <a:buFontTx/>
+                <a:buNone/>
+                <a:tabLst/>
+              </a:pPr>
+              <a:r>
+                <a:rPr kumimoji="0" lang="en-US" sz="2000" b="0" i="0" u="none" strike="noStrike" cap="none" normalizeH="0" baseline="0" dirty="0" smtClean="0">
+                  <a:ln>
+                    <a:noFill/>
+                  </a:ln>
+                  <a:solidFill>
+                    <a:srgbClr val="FFFFFF"/>
+                  </a:solidFill>
+                  <a:effectLst/>
+                  <a:latin typeface="Calibri" pitchFamily="34" charset="0"/>
+                  <a:ea typeface="Times New Roman" pitchFamily="18" charset="0"/>
+                  <a:cs typeface="Times New Roman" pitchFamily="18" charset="0"/>
+                </a:rPr>
+                <a:t>View</a:t>
+              </a:r>
+              <a:endParaRPr kumimoji="0" lang="en-US" sz="2000" b="0" i="0" u="none" strike="noStrike" cap="none" normalizeH="0" baseline="0" dirty="0" smtClean="0">
+                <a:ln>
+                  <a:noFill/>
+                </a:ln>
+                <a:solidFill>
+                  <a:schemeClr val="tx1"/>
+                </a:solidFill>
+                <a:effectLst/>
+                <a:latin typeface="Arial" pitchFamily="34" charset="0"/>
+                <a:cs typeface="Arial" pitchFamily="34" charset="0"/>
+              </a:endParaRPr>
+            </a:p>
+          </p:txBody>
+        </p:sp>
+        <p:sp>
+          <p:nvSpPr>
+            <p:cNvPr id="5" name="Блок-схема: процесс 3"/>
+            <p:cNvSpPr>
+              <a:spLocks noChangeArrowheads="1"/>
+            </p:cNvSpPr>
+            <p:nvPr/>
+          </p:nvSpPr>
+          <p:spPr bwMode="auto">
+            <a:xfrm>
+              <a:off x="15244" y="0"/>
+              <a:ext cx="11521" cy="5150"/>
+            </a:xfrm>
+            <a:prstGeom prst="flowChartProcess">
+              <a:avLst/>
+            </a:prstGeom>
+            <a:solidFill>
+              <a:srgbClr val="4F81BD"/>
+            </a:solidFill>
+            <a:ln w="25400">
+              <a:solidFill>
+                <a:srgbClr val="243F60"/>
+              </a:solidFill>
+              <a:miter lim="800000"/>
+              <a:headEnd/>
+              <a:tailEnd/>
+            </a:ln>
+          </p:spPr>
+          <p:txBody>
+            <a:bodyPr vert="horz" wrap="square" lIns="91440" tIns="45720" rIns="91440" bIns="45720" numCol="1" anchor="ctr" anchorCtr="0" compatLnSpc="1">
+              <a:prstTxWarp prst="textNoShape">
+                <a:avLst/>
+              </a:prstTxWarp>
+            </a:bodyPr>
+            <a:lstStyle/>
+            <a:p>
+              <a:pPr marL="0" marR="0" lvl="0" indent="0" algn="ctr" defTabSz="914400" rtl="0" eaLnBrk="1" fontAlgn="base" latinLnBrk="0" hangingPunct="1">
+                <a:lnSpc>
+                  <a:spcPct val="100000"/>
+                </a:lnSpc>
+                <a:spcBef>
+                  <a:spcPct val="0"/>
+                </a:spcBef>
+                <a:spcAft>
+                  <a:spcPct val="0"/>
+                </a:spcAft>
+                <a:buClrTx/>
+                <a:buSzTx/>
+                <a:buFontTx/>
+                <a:buNone/>
+                <a:tabLst/>
+              </a:pPr>
+              <a:r>
+                <a:rPr kumimoji="0" lang="en-US" sz="2000" b="0" i="0" u="none" strike="noStrike" cap="none" normalizeH="0" baseline="0" dirty="0" smtClean="0">
+                  <a:ln>
+                    <a:noFill/>
+                  </a:ln>
+                  <a:solidFill>
+                    <a:srgbClr val="FFFFFF"/>
+                  </a:solidFill>
+                  <a:effectLst/>
+                  <a:latin typeface="Calibri" pitchFamily="34" charset="0"/>
+                  <a:ea typeface="Times New Roman" pitchFamily="18" charset="0"/>
+                  <a:cs typeface="Times New Roman" pitchFamily="18" charset="0"/>
+                </a:rPr>
+                <a:t>Controller</a:t>
+              </a:r>
+              <a:endParaRPr kumimoji="0" lang="en-US" sz="2000" b="0" i="0" u="none" strike="noStrike" cap="none" normalizeH="0" baseline="0" dirty="0" smtClean="0">
+                <a:ln>
+                  <a:noFill/>
+                </a:ln>
+                <a:solidFill>
+                  <a:schemeClr val="tx1"/>
+                </a:solidFill>
+                <a:effectLst/>
+                <a:latin typeface="Arial" pitchFamily="34" charset="0"/>
+                <a:cs typeface="Arial" pitchFamily="34" charset="0"/>
+              </a:endParaRPr>
+            </a:p>
+          </p:txBody>
+        </p:sp>
+        <p:sp>
+          <p:nvSpPr>
+            <p:cNvPr id="6" name="Блок-схема: процесс 4"/>
+            <p:cNvSpPr>
+              <a:spLocks noChangeArrowheads="1"/>
+            </p:cNvSpPr>
+            <p:nvPr/>
+          </p:nvSpPr>
+          <p:spPr bwMode="auto">
+            <a:xfrm>
+              <a:off x="0" y="9401"/>
+              <a:ext cx="11521" cy="5151"/>
+            </a:xfrm>
+            <a:prstGeom prst="flowChartProcess">
+              <a:avLst/>
+            </a:prstGeom>
+            <a:solidFill>
+              <a:srgbClr val="4F81BD"/>
+            </a:solidFill>
+            <a:ln w="25400">
+              <a:solidFill>
+                <a:srgbClr val="243F60"/>
+              </a:solidFill>
+              <a:miter lim="800000"/>
+              <a:headEnd/>
+              <a:tailEnd/>
+            </a:ln>
+          </p:spPr>
+          <p:txBody>
+            <a:bodyPr vert="horz" wrap="square" lIns="91440" tIns="45720" rIns="91440" bIns="45720" numCol="1" anchor="ctr" anchorCtr="0" compatLnSpc="1">
+              <a:prstTxWarp prst="textNoShape">
+                <a:avLst/>
+              </a:prstTxWarp>
+            </a:bodyPr>
+            <a:lstStyle/>
+            <a:p>
+              <a:pPr marL="0" marR="0" lvl="0" indent="0" algn="ctr" defTabSz="914400" rtl="0" eaLnBrk="1" fontAlgn="base" latinLnBrk="0" hangingPunct="1">
+                <a:lnSpc>
+                  <a:spcPct val="100000"/>
+                </a:lnSpc>
+                <a:spcBef>
+                  <a:spcPct val="0"/>
+                </a:spcBef>
+                <a:spcAft>
+                  <a:spcPct val="0"/>
+                </a:spcAft>
+                <a:buClrTx/>
+                <a:buSzTx/>
+                <a:buFontTx/>
+                <a:buNone/>
+                <a:tabLst/>
+              </a:pPr>
+              <a:r>
+                <a:rPr kumimoji="0" lang="en-US" sz="2000" b="0" i="0" u="none" strike="noStrike" cap="none" normalizeH="0" baseline="0" dirty="0" smtClean="0">
+                  <a:ln>
+                    <a:noFill/>
+                  </a:ln>
+                  <a:solidFill>
+                    <a:srgbClr val="FFFFFF"/>
+                  </a:solidFill>
+                  <a:effectLst/>
+                  <a:latin typeface="Calibri" pitchFamily="34" charset="0"/>
+                  <a:ea typeface="Times New Roman" pitchFamily="18" charset="0"/>
+                  <a:cs typeface="Times New Roman" pitchFamily="18" charset="0"/>
+                </a:rPr>
+                <a:t>Model</a:t>
+              </a:r>
+              <a:endParaRPr kumimoji="0" lang="en-US" sz="2000" b="0" i="0" u="none" strike="noStrike" cap="none" normalizeH="0" baseline="0" dirty="0" smtClean="0">
+                <a:ln>
+                  <a:noFill/>
+                </a:ln>
+                <a:solidFill>
+                  <a:schemeClr val="tx1"/>
+                </a:solidFill>
+                <a:effectLst/>
+                <a:latin typeface="Arial" pitchFamily="34" charset="0"/>
+                <a:cs typeface="Arial" pitchFamily="34" charset="0"/>
+              </a:endParaRPr>
+            </a:p>
+          </p:txBody>
+        </p:sp>
+        <p:grpSp>
+          <p:nvGrpSpPr>
+            <p:cNvPr id="7" name="Группа 5"/>
+            <p:cNvGrpSpPr>
+              <a:grpSpLocks/>
+            </p:cNvGrpSpPr>
+            <p:nvPr/>
+          </p:nvGrpSpPr>
+          <p:grpSpPr bwMode="auto">
+            <a:xfrm>
+              <a:off x="11521" y="9736"/>
+              <a:ext cx="18596" cy="2240"/>
+              <a:chOff x="11521" y="9736"/>
+              <a:chExt cx="18596" cy="2240"/>
+            </a:xfrm>
+          </p:grpSpPr>
+          <p:sp>
+            <p:nvSpPr>
+              <p:cNvPr id="14" name="Прямая со стрелкой 12"/>
+              <p:cNvSpPr>
+                <a:spLocks noChangeShapeType="1"/>
+              </p:cNvSpPr>
+              <p:nvPr/>
+            </p:nvSpPr>
+            <p:spPr bwMode="auto">
+              <a:xfrm>
+                <a:off x="11521" y="11976"/>
+                <a:ext cx="18596" cy="0"/>
+              </a:xfrm>
+              <a:prstGeom prst="straightConnector1">
+                <a:avLst/>
+              </a:prstGeom>
+              <a:noFill/>
+              <a:ln w="25400">
+                <a:solidFill>
+                  <a:srgbClr val="8DB3E2"/>
+                </a:solidFill>
+                <a:round/>
+                <a:headEnd type="none" w="lg" len="lg"/>
+                <a:tailEnd type="triangle" w="lg" len="lg"/>
+              </a:ln>
+            </p:spPr>
+            <p:txBody>
+              <a:bodyPr vert="horz" wrap="square" lIns="91440" tIns="45720" rIns="91440" bIns="45720" numCol="1" anchor="t" anchorCtr="0" compatLnSpc="1">
+                <a:prstTxWarp prst="textNoShape">
+                  <a:avLst/>
+                </a:prstTxWarp>
+              </a:bodyPr>
+              <a:lstStyle/>
+              <a:p>
+                <a:endParaRPr lang="ru-RU"/>
+              </a:p>
+            </p:txBody>
+          </p:sp>
+          <p:sp>
+            <p:nvSpPr>
+              <p:cNvPr id="15" name="TextBox 41"/>
+              <p:cNvSpPr txBox="1">
+                <a:spLocks noChangeArrowheads="1"/>
+              </p:cNvSpPr>
+              <p:nvPr/>
+            </p:nvSpPr>
+            <p:spPr bwMode="auto">
+              <a:xfrm>
+                <a:off x="17785" y="9736"/>
+                <a:ext cx="7536" cy="2188"/>
+              </a:xfrm>
+              <a:prstGeom prst="rect">
+                <a:avLst/>
+              </a:prstGeom>
+              <a:noFill/>
+              <a:ln w="9525">
+                <a:noFill/>
+                <a:miter lim="800000"/>
+                <a:headEnd/>
+                <a:tailEnd/>
+              </a:ln>
+            </p:spPr>
+            <p:txBody>
+              <a:bodyPr vert="horz" wrap="none" lIns="91440" tIns="45720" rIns="91440" bIns="45720" numCol="1" anchor="t" anchorCtr="0" compatLnSpc="1">
+                <a:prstTxWarp prst="textNoShape">
+                  <a:avLst/>
+                </a:prstTxWarp>
+                <a:spAutoFit/>
+              </a:bodyPr>
+              <a:lstStyle/>
+              <a:p>
+                <a:pPr marL="0" marR="0" lvl="0" indent="0" algn="l" defTabSz="914400" rtl="0" eaLnBrk="1" fontAlgn="base" latinLnBrk="0" hangingPunct="1">
+                  <a:lnSpc>
+                    <a:spcPct val="100000"/>
+                  </a:lnSpc>
+                  <a:spcBef>
+                    <a:spcPct val="0"/>
+                  </a:spcBef>
+                  <a:spcAft>
+                    <a:spcPct val="0"/>
+                  </a:spcAft>
+                  <a:buClrTx/>
+                  <a:buSzTx/>
+                  <a:buFontTx/>
+                  <a:buNone/>
+                  <a:tabLst/>
+                </a:pPr>
+                <a:r>
+                  <a:rPr kumimoji="0" lang="en-US" b="0" i="0" u="none" strike="noStrike" cap="none" normalizeH="0" baseline="0" dirty="0" smtClean="0">
+                    <a:ln>
+                      <a:noFill/>
+                    </a:ln>
+                    <a:solidFill>
+                      <a:srgbClr val="000000"/>
+                    </a:solidFill>
+                    <a:effectLst/>
+                    <a:latin typeface="Calibri" pitchFamily="34" charset="0"/>
+                    <a:ea typeface="Times New Roman" pitchFamily="18" charset="0"/>
+                    <a:cs typeface="Times New Roman" pitchFamily="18" charset="0"/>
+                  </a:rPr>
+                  <a:t>I’m update!</a:t>
+                </a:r>
+                <a:endParaRPr kumimoji="0" lang="en-US" b="0" i="0" u="none" strike="noStrike" cap="none" normalizeH="0" baseline="0" dirty="0" smtClean="0">
+                  <a:ln>
+                    <a:noFill/>
+                  </a:ln>
+                  <a:solidFill>
+                    <a:schemeClr val="tx1"/>
+                  </a:solidFill>
+                  <a:effectLst/>
+                  <a:latin typeface="Arial" pitchFamily="34" charset="0"/>
+                  <a:cs typeface="Arial" pitchFamily="34" charset="0"/>
+                </a:endParaRPr>
+              </a:p>
+            </p:txBody>
+          </p:sp>
+        </p:grpSp>
+        <p:grpSp>
+          <p:nvGrpSpPr>
+            <p:cNvPr id="8" name="Группа 6"/>
+            <p:cNvGrpSpPr>
+              <a:grpSpLocks/>
+            </p:cNvGrpSpPr>
+            <p:nvPr/>
+          </p:nvGrpSpPr>
+          <p:grpSpPr bwMode="auto">
+            <a:xfrm>
+              <a:off x="26677" y="2540"/>
+              <a:ext cx="13841" cy="6861"/>
+              <a:chOff x="26677" y="2540"/>
+              <a:chExt cx="13840" cy="6861"/>
+            </a:xfrm>
+          </p:grpSpPr>
+          <p:sp>
+            <p:nvSpPr>
+              <p:cNvPr id="12" name="Прямая со стрелкой 10"/>
+              <p:cNvSpPr>
+                <a:spLocks noChangeShapeType="1"/>
+              </p:cNvSpPr>
+              <p:nvPr/>
+            </p:nvSpPr>
+            <p:spPr bwMode="auto">
+              <a:xfrm flipH="1" flipV="1">
+                <a:off x="26677" y="2540"/>
+                <a:ext cx="9201" cy="6861"/>
+              </a:xfrm>
+              <a:prstGeom prst="straightConnector1">
+                <a:avLst/>
+              </a:prstGeom>
+              <a:noFill/>
+              <a:ln w="25400">
+                <a:solidFill>
+                  <a:srgbClr val="8DB3E2"/>
+                </a:solidFill>
+                <a:round/>
+                <a:headEnd type="none" w="lg" len="lg"/>
+                <a:tailEnd type="triangle" w="lg" len="lg"/>
+              </a:ln>
+            </p:spPr>
+            <p:txBody>
+              <a:bodyPr vert="horz" wrap="square" lIns="91440" tIns="45720" rIns="91440" bIns="45720" numCol="1" anchor="t" anchorCtr="0" compatLnSpc="1">
+                <a:prstTxWarp prst="textNoShape">
+                  <a:avLst/>
+                </a:prstTxWarp>
+              </a:bodyPr>
+              <a:lstStyle/>
+              <a:p>
+                <a:endParaRPr lang="ru-RU"/>
+              </a:p>
+            </p:txBody>
+          </p:sp>
+          <p:sp>
+            <p:nvSpPr>
+              <p:cNvPr id="13" name="TextBox 42"/>
+              <p:cNvSpPr txBox="1">
+                <a:spLocks noChangeArrowheads="1"/>
+              </p:cNvSpPr>
+              <p:nvPr/>
+            </p:nvSpPr>
+            <p:spPr bwMode="auto">
+              <a:xfrm rot="2269527">
+                <a:off x="27526" y="5797"/>
+                <a:ext cx="12991" cy="2188"/>
+              </a:xfrm>
+              <a:prstGeom prst="rect">
+                <a:avLst/>
+              </a:prstGeom>
+              <a:noFill/>
+              <a:ln w="9525">
+                <a:noFill/>
+                <a:miter lim="800000"/>
+                <a:headEnd/>
+                <a:tailEnd/>
+              </a:ln>
+            </p:spPr>
+            <p:txBody>
+              <a:bodyPr vert="horz" wrap="square" lIns="91440" tIns="45720" rIns="91440" bIns="45720" numCol="1" anchor="t" anchorCtr="0" compatLnSpc="1">
+                <a:prstTxWarp prst="textNoShape">
+                  <a:avLst/>
+                </a:prstTxWarp>
+                <a:spAutoFit/>
+              </a:bodyPr>
+              <a:lstStyle/>
+              <a:p>
+                <a:pPr marL="0" marR="0" lvl="0" indent="0" algn="l" defTabSz="914400" rtl="0" eaLnBrk="1" fontAlgn="base" latinLnBrk="0" hangingPunct="1">
+                  <a:lnSpc>
+                    <a:spcPct val="100000"/>
+                  </a:lnSpc>
+                  <a:spcBef>
+                    <a:spcPct val="0"/>
+                  </a:spcBef>
+                  <a:spcAft>
+                    <a:spcPct val="0"/>
+                  </a:spcAft>
+                  <a:buClrTx/>
+                  <a:buSzTx/>
+                  <a:buFontTx/>
+                  <a:buNone/>
+                  <a:tabLst/>
+                </a:pPr>
+                <a:r>
+                  <a:rPr kumimoji="0" lang="en-US" b="0" i="0" u="none" strike="noStrike" cap="none" normalizeH="0" baseline="0" dirty="0" smtClean="0">
+                    <a:ln>
+                      <a:noFill/>
+                    </a:ln>
+                    <a:solidFill>
+                      <a:srgbClr val="000000"/>
+                    </a:solidFill>
+                    <a:effectLst/>
+                    <a:latin typeface="Calibri" pitchFamily="34" charset="0"/>
+                    <a:ea typeface="Times New Roman" pitchFamily="18" charset="0"/>
+                    <a:cs typeface="Times New Roman" pitchFamily="18" charset="0"/>
+                  </a:rPr>
+                  <a:t>user’s change</a:t>
+                </a:r>
+                <a:endParaRPr kumimoji="0" lang="en-US" b="0" i="0" u="none" strike="noStrike" cap="none" normalizeH="0" baseline="0" dirty="0" smtClean="0">
+                  <a:ln>
+                    <a:noFill/>
+                  </a:ln>
+                  <a:solidFill>
+                    <a:schemeClr val="tx1"/>
+                  </a:solidFill>
+                  <a:effectLst/>
+                  <a:latin typeface="Arial" pitchFamily="34" charset="0"/>
+                  <a:cs typeface="Arial" pitchFamily="34" charset="0"/>
+                </a:endParaRPr>
+              </a:p>
+            </p:txBody>
+          </p:sp>
+        </p:grpSp>
+        <p:grpSp>
+          <p:nvGrpSpPr>
+            <p:cNvPr id="9" name="Группа 7"/>
+            <p:cNvGrpSpPr>
+              <a:grpSpLocks/>
+            </p:cNvGrpSpPr>
+            <p:nvPr/>
+          </p:nvGrpSpPr>
+          <p:grpSpPr bwMode="auto">
+            <a:xfrm>
+              <a:off x="5928" y="2540"/>
+              <a:ext cx="9316" cy="6826"/>
+              <a:chOff x="5928" y="2540"/>
+              <a:chExt cx="9315" cy="6826"/>
+            </a:xfrm>
+          </p:grpSpPr>
+          <p:sp>
+            <p:nvSpPr>
+              <p:cNvPr id="10" name="Прямая со стрелкой 8"/>
+              <p:cNvSpPr>
+                <a:spLocks noChangeShapeType="1"/>
+              </p:cNvSpPr>
+              <p:nvPr/>
+            </p:nvSpPr>
+            <p:spPr bwMode="auto">
+              <a:xfrm flipH="1">
+                <a:off x="5928" y="2540"/>
+                <a:ext cx="9315" cy="6826"/>
+              </a:xfrm>
+              <a:prstGeom prst="straightConnector1">
+                <a:avLst/>
+              </a:prstGeom>
+              <a:noFill/>
+              <a:ln w="25400">
+                <a:solidFill>
+                  <a:srgbClr val="8DB3E2"/>
+                </a:solidFill>
+                <a:round/>
+                <a:headEnd type="none" w="lg" len="lg"/>
+                <a:tailEnd type="triangle" w="lg" len="lg"/>
+              </a:ln>
+            </p:spPr>
+            <p:txBody>
+              <a:bodyPr vert="horz" wrap="square" lIns="91440" tIns="45720" rIns="91440" bIns="45720" numCol="1" anchor="t" anchorCtr="0" compatLnSpc="1">
+                <a:prstTxWarp prst="textNoShape">
+                  <a:avLst/>
+                </a:prstTxWarp>
+              </a:bodyPr>
+              <a:lstStyle/>
+              <a:p>
+                <a:endParaRPr lang="ru-RU"/>
+              </a:p>
+            </p:txBody>
+          </p:sp>
+          <p:sp>
+            <p:nvSpPr>
+              <p:cNvPr id="11" name="TextBox 51"/>
+              <p:cNvSpPr txBox="1">
+                <a:spLocks noChangeArrowheads="1"/>
+              </p:cNvSpPr>
+              <p:nvPr/>
+            </p:nvSpPr>
+            <p:spPr bwMode="auto">
+              <a:xfrm rot="19545239">
+                <a:off x="6706" y="3725"/>
+                <a:ext cx="7896" cy="2188"/>
+              </a:xfrm>
+              <a:prstGeom prst="rect">
+                <a:avLst/>
+              </a:prstGeom>
+              <a:noFill/>
+              <a:ln w="9525">
+                <a:noFill/>
+                <a:miter lim="800000"/>
+                <a:headEnd/>
+                <a:tailEnd/>
+              </a:ln>
+            </p:spPr>
+            <p:txBody>
+              <a:bodyPr vert="horz" wrap="none" lIns="91440" tIns="45720" rIns="91440" bIns="45720" numCol="1" anchor="t" anchorCtr="0" compatLnSpc="1">
+                <a:prstTxWarp prst="textNoShape">
+                  <a:avLst/>
+                </a:prstTxWarp>
+                <a:spAutoFit/>
+              </a:bodyPr>
+              <a:lstStyle/>
+              <a:p>
+                <a:pPr marL="0" marR="0" lvl="0" indent="0" algn="l" defTabSz="914400" rtl="0" eaLnBrk="1" fontAlgn="base" latinLnBrk="0" hangingPunct="1">
+                  <a:lnSpc>
+                    <a:spcPct val="100000"/>
+                  </a:lnSpc>
+                  <a:spcBef>
+                    <a:spcPct val="0"/>
+                  </a:spcBef>
+                  <a:spcAft>
+                    <a:spcPct val="0"/>
+                  </a:spcAft>
+                  <a:buClrTx/>
+                  <a:buSzTx/>
+                  <a:buFontTx/>
+                  <a:buNone/>
+                  <a:tabLst/>
+                </a:pPr>
+                <a:r>
+                  <a:rPr kumimoji="0" lang="en-US" b="0" i="0" u="none" strike="noStrike" cap="none" normalizeH="0" baseline="0" dirty="0" smtClean="0">
+                    <a:ln>
+                      <a:noFill/>
+                    </a:ln>
+                    <a:solidFill>
+                      <a:srgbClr val="000000"/>
+                    </a:solidFill>
+                    <a:effectLst/>
+                    <a:latin typeface="Calibri" pitchFamily="34" charset="0"/>
+                    <a:ea typeface="Times New Roman" pitchFamily="18" charset="0"/>
+                    <a:cs typeface="Times New Roman" pitchFamily="18" charset="0"/>
+                  </a:rPr>
+                  <a:t>change date</a:t>
+                </a:r>
+                <a:endParaRPr kumimoji="0" lang="en-US" b="0" i="0" u="none" strike="noStrike" cap="none" normalizeH="0" baseline="0" dirty="0" smtClean="0">
+                  <a:ln>
+                    <a:noFill/>
+                  </a:ln>
+                  <a:solidFill>
+                    <a:schemeClr val="tx1"/>
+                  </a:solidFill>
+                  <a:effectLst/>
+                  <a:latin typeface="Arial" pitchFamily="34" charset="0"/>
+                  <a:cs typeface="Arial" pitchFamily="34" charset="0"/>
+                </a:endParaRPr>
+              </a:p>
+            </p:txBody>
+          </p:sp>
+        </p:grpSp>
+      </p:grpSp>
+    </p:spTree>
+  </p:cSld>
+  <p:clrMapOvr>
+    <a:masterClrMapping/>
+  </p:clrMapOvr>
+</p:sld>
+</file>
+
 <file path=ppt/slides/slide2.xml><?xml version="1.0" encoding="utf-8"?>
 <p:sld xmlns:a="http://schemas.openxmlformats.org/drawingml/2006/main" xmlns:r="http://schemas.openxmlformats.org/officeDocument/2006/relationships" xmlns:p="http://schemas.openxmlformats.org/presentationml/2006/main">
   <p:cSld>
@@ -8808,7 +9668,7 @@
         </p:nvGrpSpPr>
         <p:grpSpPr>
           <a:xfrm>
-            <a:off x="785786" y="4357694"/>
+            <a:off x="785786" y="4286256"/>
             <a:ext cx="2000264" cy="2009568"/>
             <a:chOff x="428596" y="428604"/>
             <a:chExt cx="3143272" cy="3157892"/>
@@ -12821,7 +13681,7 @@
         </p:nvSpPr>
         <p:spPr>
           <a:xfrm>
-            <a:off x="3357554" y="4214818"/>
+            <a:off x="3357554" y="4000504"/>
             <a:ext cx="4786346" cy="2308324"/>
           </a:xfrm>
           <a:prstGeom prst="rect">
@@ -23606,356 +24466,6 @@
       </p:grpSpPr>
       <p:sp>
         <p:nvSpPr>
-          <p:cNvPr id="2" name="Заголовок 1"/>
-          <p:cNvSpPr>
-            <a:spLocks noGrp="1"/>
-          </p:cNvSpPr>
-          <p:nvPr>
-            <p:ph type="title"/>
-          </p:nvPr>
-        </p:nvSpPr>
-        <p:spPr/>
-        <p:txBody>
-          <a:bodyPr/>
-          <a:lstStyle/>
-          <a:p>
-            <a:endParaRPr lang="ru-RU"/>
-          </a:p>
-        </p:txBody>
-      </p:sp>
-      <p:sp>
-        <p:nvSpPr>
-          <p:cNvPr id="3" name="TextBox 2"/>
-          <p:cNvSpPr txBox="1"/>
-          <p:nvPr/>
-        </p:nvSpPr>
-        <p:spPr>
-          <a:xfrm>
-            <a:off x="1214414" y="1500174"/>
-            <a:ext cx="6572296" cy="4278094"/>
-          </a:xfrm>
-          <a:prstGeom prst="rect">
-            <a:avLst/>
-          </a:prstGeom>
-          <a:noFill/>
-        </p:spPr>
-        <p:txBody>
-          <a:bodyPr wrap="square" rtlCol="0">
-            <a:spAutoFit/>
-          </a:bodyPr>
-          <a:lstStyle/>
-          <a:p>
-            <a:pPr marL="342900" indent="-342900"/>
-            <a:r>
-              <a:rPr lang="en-US" sz="1600" b="1" dirty="0" smtClean="0"/>
-              <a:t>FUNCTION </a:t>
-            </a:r>
-            <a:r>
-              <a:rPr lang="en-US" sz="1600" dirty="0" smtClean="0"/>
-              <a:t>Search(depth, color  :</a:t>
-            </a:r>
-            <a:r>
-              <a:rPr lang="en-US" sz="1600" b="1" dirty="0" smtClean="0"/>
-              <a:t>integer</a:t>
-            </a:r>
-            <a:r>
-              <a:rPr lang="en-US" sz="1600" dirty="0" smtClean="0"/>
-              <a:t>)  :</a:t>
-            </a:r>
-            <a:r>
-              <a:rPr lang="en-US" sz="1600" b="1" dirty="0" smtClean="0"/>
-              <a:t>integer</a:t>
-            </a:r>
-            <a:r>
-              <a:rPr lang="en-US" sz="1600" dirty="0" smtClean="0"/>
-              <a:t>;        /*color = 0 or 1*/</a:t>
-            </a:r>
-          </a:p>
-          <a:p>
-            <a:pPr marL="342900" indent="-342900"/>
-            <a:r>
-              <a:rPr lang="en-US" sz="1600" dirty="0" smtClean="0"/>
-              <a:t>	</a:t>
-            </a:r>
-            <a:r>
-              <a:rPr lang="en-US" sz="1600" b="1" dirty="0" err="1" smtClean="0"/>
-              <a:t>var</a:t>
-            </a:r>
-            <a:r>
-              <a:rPr lang="en-US" sz="1600" dirty="0" smtClean="0"/>
-              <a:t>  score, </a:t>
-            </a:r>
-            <a:r>
-              <a:rPr lang="en-US" sz="1600" dirty="0" err="1" smtClean="0"/>
-              <a:t>tmp</a:t>
-            </a:r>
-            <a:r>
-              <a:rPr lang="en-US" sz="1600" dirty="0" smtClean="0"/>
-              <a:t>  :</a:t>
-            </a:r>
-            <a:r>
-              <a:rPr lang="en-US" sz="1600" b="1" dirty="0" smtClean="0"/>
-              <a:t>integer</a:t>
-            </a:r>
-            <a:r>
-              <a:rPr lang="en-US" sz="1600" dirty="0" smtClean="0"/>
-              <a:t>;</a:t>
-            </a:r>
-          </a:p>
-          <a:p>
-            <a:pPr marL="342900" indent="-342900"/>
-            <a:r>
-              <a:rPr lang="en-US" sz="1600" b="1" dirty="0" smtClean="0"/>
-              <a:t>BEGIN</a:t>
-            </a:r>
-          </a:p>
-          <a:p>
-            <a:pPr marL="342900" indent="-342900"/>
-            <a:r>
-              <a:rPr lang="en-US" sz="1600" dirty="0" smtClean="0"/>
-              <a:t>	</a:t>
-            </a:r>
-            <a:r>
-              <a:rPr lang="en-US" sz="1600" b="1" dirty="0" smtClean="0"/>
-              <a:t>if </a:t>
-            </a:r>
-            <a:r>
-              <a:rPr lang="en-US" sz="1600" dirty="0" smtClean="0"/>
-              <a:t>depth=0 </a:t>
-            </a:r>
-            <a:r>
-              <a:rPr lang="en-US" sz="1600" b="1" dirty="0" smtClean="0"/>
-              <a:t>then</a:t>
-            </a:r>
-            <a:r>
-              <a:rPr lang="en-US" sz="1600" dirty="0" smtClean="0"/>
-              <a:t> Search:=Evaluate()</a:t>
-            </a:r>
-          </a:p>
-          <a:p>
-            <a:pPr marL="342900" indent="-342900"/>
-            <a:r>
-              <a:rPr lang="en-US" sz="1600" dirty="0" smtClean="0"/>
-              <a:t>	</a:t>
-            </a:r>
-            <a:r>
-              <a:rPr lang="en-US" sz="1600" b="1" dirty="0" smtClean="0"/>
-              <a:t>else BEGIN</a:t>
-            </a:r>
-          </a:p>
-          <a:p>
-            <a:pPr marL="342900" indent="-342900"/>
-            <a:r>
-              <a:rPr lang="en-US" sz="1600" dirty="0" smtClean="0"/>
-              <a:t>		score:=-INFINITY;</a:t>
-            </a:r>
-          </a:p>
-          <a:p>
-            <a:pPr marL="342900" indent="-342900"/>
-            <a:r>
-              <a:rPr lang="en-US" sz="1600" dirty="0" smtClean="0"/>
-              <a:t>		</a:t>
-            </a:r>
-            <a:r>
-              <a:rPr lang="en-US" sz="1600" dirty="0" err="1" smtClean="0"/>
-              <a:t>GenerateAllMoves</a:t>
-            </a:r>
-            <a:r>
-              <a:rPr lang="en-US" sz="1600" dirty="0" smtClean="0"/>
-              <a:t>();</a:t>
-            </a:r>
-          </a:p>
-          <a:p>
-            <a:pPr marL="342900" indent="-342900"/>
-            <a:r>
-              <a:rPr lang="en-US" sz="1600" dirty="0" smtClean="0"/>
-              <a:t>		while </a:t>
-            </a:r>
-            <a:r>
-              <a:rPr lang="en-US" sz="1600" dirty="0" err="1" smtClean="0"/>
-              <a:t>ThereIsAnyMove</a:t>
-            </a:r>
-            <a:r>
-              <a:rPr lang="en-US" sz="1600" dirty="0" smtClean="0"/>
-              <a:t>() </a:t>
-            </a:r>
-          </a:p>
-          <a:p>
-            <a:pPr marL="342900" indent="-342900"/>
-            <a:r>
-              <a:rPr lang="en-US" sz="1600" dirty="0" smtClean="0"/>
-              <a:t>		           </a:t>
-            </a:r>
-            <a:r>
-              <a:rPr lang="en-US" sz="1600" b="1" dirty="0" smtClean="0"/>
-              <a:t>BEGIN</a:t>
-            </a:r>
-          </a:p>
-          <a:p>
-            <a:pPr marL="342900" indent="-342900"/>
-            <a:r>
-              <a:rPr lang="en-US" sz="1600" dirty="0" smtClean="0"/>
-              <a:t>			</a:t>
-            </a:r>
-            <a:r>
-              <a:rPr lang="en-US" sz="1600" dirty="0" err="1" smtClean="0"/>
-              <a:t>MakeMove</a:t>
-            </a:r>
-            <a:r>
-              <a:rPr lang="en-US" sz="1600" dirty="0" smtClean="0"/>
-              <a:t>();</a:t>
-            </a:r>
-          </a:p>
-          <a:p>
-            <a:pPr marL="342900" indent="-342900"/>
-            <a:r>
-              <a:rPr lang="en-US" sz="1600" dirty="0" smtClean="0"/>
-              <a:t>			</a:t>
-            </a:r>
-            <a:r>
-              <a:rPr lang="en-US" sz="1600" dirty="0" err="1" smtClean="0"/>
-              <a:t>tmp</a:t>
-            </a:r>
-            <a:r>
-              <a:rPr lang="en-US" sz="1600" dirty="0" smtClean="0"/>
-              <a:t>:=-Search(depth-1, </a:t>
-            </a:r>
-            <a:r>
-              <a:rPr lang="en-US" sz="1600" dirty="0" err="1" smtClean="0"/>
-              <a:t>GetEnemyColor</a:t>
-            </a:r>
-            <a:r>
-              <a:rPr lang="en-US" sz="1600" dirty="0" smtClean="0"/>
-              <a:t>());</a:t>
-            </a:r>
-          </a:p>
-          <a:p>
-            <a:pPr marL="342900" indent="-342900"/>
-            <a:r>
-              <a:rPr lang="en-US" sz="1600" dirty="0" smtClean="0"/>
-              <a:t>			</a:t>
-            </a:r>
-            <a:r>
-              <a:rPr lang="en-US" sz="1600" dirty="0" err="1" smtClean="0"/>
-              <a:t>UnMakeMove</a:t>
-            </a:r>
-            <a:r>
-              <a:rPr lang="en-US" sz="1600" dirty="0" smtClean="0"/>
-              <a:t>();</a:t>
-            </a:r>
-          </a:p>
-          <a:p>
-            <a:pPr marL="342900" indent="-342900"/>
-            <a:r>
-              <a:rPr lang="en-US" sz="1600" dirty="0" smtClean="0"/>
-              <a:t>			</a:t>
-            </a:r>
-            <a:r>
-              <a:rPr lang="en-US" sz="1600" b="1" dirty="0" smtClean="0"/>
-              <a:t>if</a:t>
-            </a:r>
-            <a:r>
-              <a:rPr lang="en-US" sz="1600" dirty="0" smtClean="0"/>
-              <a:t>  score&lt;</a:t>
-            </a:r>
-            <a:r>
-              <a:rPr lang="en-US" sz="1600" dirty="0" err="1" smtClean="0"/>
-              <a:t>tmp</a:t>
-            </a:r>
-            <a:r>
-              <a:rPr lang="en-US" sz="1600" dirty="0" smtClean="0"/>
-              <a:t>  </a:t>
-            </a:r>
-            <a:r>
-              <a:rPr lang="en-US" sz="1600" b="1" dirty="0" smtClean="0"/>
-              <a:t>then</a:t>
-            </a:r>
-            <a:r>
-              <a:rPr lang="en-US" sz="1600" dirty="0" smtClean="0"/>
-              <a:t>  score:=</a:t>
-            </a:r>
-            <a:r>
-              <a:rPr lang="en-US" sz="1600" dirty="0" err="1" smtClean="0"/>
-              <a:t>tmp</a:t>
-            </a:r>
-            <a:r>
-              <a:rPr lang="en-US" sz="1600" dirty="0" smtClean="0"/>
-              <a:t>;</a:t>
-            </a:r>
-          </a:p>
-          <a:p>
-            <a:pPr marL="342900" indent="-342900"/>
-            <a:r>
-              <a:rPr lang="en-US" sz="1600" dirty="0" smtClean="0"/>
-              <a:t>		</a:t>
-            </a:r>
-            <a:r>
-              <a:rPr lang="en-US" sz="1600" b="1" dirty="0" smtClean="0"/>
-              <a:t>           END;</a:t>
-            </a:r>
-          </a:p>
-          <a:p>
-            <a:pPr marL="342900" indent="-342900"/>
-            <a:r>
-              <a:rPr lang="en-US" sz="1600" b="1" dirty="0" smtClean="0"/>
-              <a:t>		</a:t>
-            </a:r>
-            <a:r>
-              <a:rPr lang="en-US" sz="1600" dirty="0" smtClean="0"/>
-              <a:t>Search:=score;</a:t>
-            </a:r>
-          </a:p>
-          <a:p>
-            <a:pPr marL="342900" indent="-342900"/>
-            <a:r>
-              <a:rPr lang="en-US" sz="1600" b="1" dirty="0" smtClean="0"/>
-              <a:t>	      END;</a:t>
-            </a:r>
-          </a:p>
-          <a:p>
-            <a:pPr marL="342900" indent="-342900"/>
-            <a:r>
-              <a:rPr lang="en-US" sz="1600" b="1" dirty="0" smtClean="0"/>
-              <a:t>END;</a:t>
-            </a:r>
-            <a:endParaRPr lang="ru-RU" sz="1600" dirty="0" smtClean="0"/>
-          </a:p>
-        </p:txBody>
-      </p:sp>
-    </p:spTree>
-  </p:cSld>
-  <p:clrMapOvr>
-    <a:masterClrMapping/>
-  </p:clrMapOvr>
-  <p:timing>
-    <p:tnLst>
-      <p:par>
-        <p:cTn id="1" dur="indefinite" restart="never" nodeType="tmRoot"/>
-      </p:par>
-    </p:tnLst>
-  </p:timing>
-</p:sld>
-</file>
-
-<file path=ppt/slides/slide9.xml><?xml version="1.0" encoding="utf-8"?>
-<p:sld xmlns:a="http://schemas.openxmlformats.org/drawingml/2006/main" xmlns:r="http://schemas.openxmlformats.org/officeDocument/2006/relationships" xmlns:p="http://schemas.openxmlformats.org/presentationml/2006/main">
-  <p:cSld>
-    <p:spTree>
-      <p:nvGrpSpPr>
-        <p:cNvPr id="1" name=""/>
-        <p:cNvGrpSpPr/>
-        <p:nvPr/>
-      </p:nvGrpSpPr>
-      <p:grpSpPr>
-        <a:xfrm>
-          <a:off x="0" y="0"/>
-          <a:ext cx="0" cy="0"/>
-          <a:chOff x="0" y="0"/>
-          <a:chExt cx="0" cy="0"/>
-        </a:xfrm>
-      </p:grpSpPr>
-      <p:sp>
-        <p:nvSpPr>
           <p:cNvPr id="4" name="Заголовок 3"/>
           <p:cNvSpPr>
             <a:spLocks noGrp="1"/>
@@ -24910,6 +25420,512 @@
 </p:sld>
 </file>
 
+<file path=ppt/slides/slide9.xml><?xml version="1.0" encoding="utf-8"?>
+<p:sld xmlns:a="http://schemas.openxmlformats.org/drawingml/2006/main" xmlns:r="http://schemas.openxmlformats.org/officeDocument/2006/relationships" xmlns:p="http://schemas.openxmlformats.org/presentationml/2006/main">
+  <p:cSld>
+    <p:spTree>
+      <p:nvGrpSpPr>
+        <p:cNvPr id="1" name=""/>
+        <p:cNvGrpSpPr/>
+        <p:nvPr/>
+      </p:nvGrpSpPr>
+      <p:grpSpPr>
+        <a:xfrm>
+          <a:off x="0" y="0"/>
+          <a:ext cx="0" cy="0"/>
+          <a:chOff x="0" y="0"/>
+          <a:chExt cx="0" cy="0"/>
+        </a:xfrm>
+      </p:grpSpPr>
+      <p:sp>
+        <p:nvSpPr>
+          <p:cNvPr id="2" name="Заголовок 1"/>
+          <p:cNvSpPr>
+            <a:spLocks noGrp="1"/>
+          </p:cNvSpPr>
+          <p:nvPr>
+            <p:ph type="title"/>
+          </p:nvPr>
+        </p:nvSpPr>
+        <p:spPr/>
+        <p:txBody>
+          <a:bodyPr/>
+          <a:lstStyle/>
+          <a:p>
+            <a:r>
+              <a:rPr lang="ru-RU" dirty="0" smtClean="0"/>
+              <a:t>Реализация</a:t>
+            </a:r>
+            <a:endParaRPr lang="ru-RU" dirty="0"/>
+          </a:p>
+        </p:txBody>
+      </p:sp>
+      <p:grpSp>
+        <p:nvGrpSpPr>
+          <p:cNvPr id="1026" name="Группа 17"/>
+          <p:cNvGrpSpPr>
+            <a:grpSpLocks/>
+          </p:cNvGrpSpPr>
+          <p:nvPr/>
+        </p:nvGrpSpPr>
+        <p:grpSpPr bwMode="auto">
+          <a:xfrm>
+            <a:off x="1214414" y="3598239"/>
+            <a:ext cx="6500858" cy="1640516"/>
+            <a:chOff x="0" y="162"/>
+            <a:chExt cx="50287" cy="10081"/>
+          </a:xfrm>
+        </p:grpSpPr>
+        <p:sp>
+          <p:nvSpPr>
+            <p:cNvPr id="15" name="Блок-схема: процесс 15"/>
+            <p:cNvSpPr>
+              <a:spLocks noChangeArrowheads="1"/>
+            </p:cNvSpPr>
+            <p:nvPr/>
+          </p:nvSpPr>
+          <p:spPr bwMode="auto">
+            <a:xfrm>
+              <a:off x="31565" y="162"/>
+              <a:ext cx="18722" cy="10081"/>
+            </a:xfrm>
+            <a:prstGeom prst="flowChartProcess">
+              <a:avLst/>
+            </a:prstGeom>
+            <a:solidFill>
+              <a:srgbClr val="4F81BD"/>
+            </a:solidFill>
+            <a:ln w="25400">
+              <a:solidFill>
+                <a:srgbClr val="243F60"/>
+              </a:solidFill>
+              <a:miter lim="800000"/>
+              <a:headEnd/>
+              <a:tailEnd/>
+            </a:ln>
+          </p:spPr>
+          <p:txBody>
+            <a:bodyPr vert="horz" wrap="square" lIns="91440" tIns="45720" rIns="91440" bIns="45720" numCol="1" anchor="ctr" anchorCtr="0" compatLnSpc="1">
+              <a:prstTxWarp prst="textNoShape">
+                <a:avLst/>
+              </a:prstTxWarp>
+            </a:bodyPr>
+            <a:lstStyle/>
+            <a:p>
+              <a:pPr marL="0" marR="0" lvl="0" indent="0" algn="ctr" defTabSz="914400" rtl="0" eaLnBrk="1" fontAlgn="base" latinLnBrk="0" hangingPunct="1">
+                <a:lnSpc>
+                  <a:spcPct val="100000"/>
+                </a:lnSpc>
+                <a:spcBef>
+                  <a:spcPts val="500"/>
+                </a:spcBef>
+                <a:spcAft>
+                  <a:spcPts val="500"/>
+                </a:spcAft>
+                <a:buClrTx/>
+                <a:buSzTx/>
+                <a:buFontTx/>
+                <a:buNone/>
+                <a:tabLst/>
+              </a:pPr>
+              <a:r>
+                <a:rPr kumimoji="0" lang="ru-RU" sz="2000" b="0" i="0" u="none" strike="noStrike" cap="none" normalizeH="0" baseline="0" dirty="0" smtClean="0">
+                  <a:ln>
+                    <a:noFill/>
+                  </a:ln>
+                  <a:solidFill>
+                    <a:srgbClr val="FFFFFF"/>
+                  </a:solidFill>
+                  <a:effectLst/>
+                  <a:latin typeface="Calibri" pitchFamily="34" charset="0"/>
+                  <a:cs typeface="Arial" pitchFamily="34" charset="0"/>
+                </a:rPr>
+                <a:t>Вычислительное ядро</a:t>
+              </a:r>
+              <a:endParaRPr kumimoji="0" lang="ru-RU" sz="2000" b="0" i="0" u="none" strike="noStrike" cap="none" normalizeH="0" baseline="0" dirty="0" smtClean="0">
+                <a:ln>
+                  <a:noFill/>
+                </a:ln>
+                <a:solidFill>
+                  <a:schemeClr val="tx1"/>
+                </a:solidFill>
+                <a:effectLst/>
+                <a:latin typeface="Arial" pitchFamily="34" charset="0"/>
+                <a:cs typeface="Arial" pitchFamily="34" charset="0"/>
+              </a:endParaRPr>
+            </a:p>
+          </p:txBody>
+        </p:sp>
+        <p:sp>
+          <p:nvSpPr>
+            <p:cNvPr id="16" name="Блок-схема: процесс 16"/>
+            <p:cNvSpPr>
+              <a:spLocks noChangeArrowheads="1"/>
+            </p:cNvSpPr>
+            <p:nvPr/>
+          </p:nvSpPr>
+          <p:spPr bwMode="auto">
+            <a:xfrm>
+              <a:off x="0" y="162"/>
+              <a:ext cx="18722" cy="10081"/>
+            </a:xfrm>
+            <a:prstGeom prst="flowChartProcess">
+              <a:avLst/>
+            </a:prstGeom>
+            <a:solidFill>
+              <a:srgbClr val="4F81BD"/>
+            </a:solidFill>
+            <a:ln w="25400">
+              <a:solidFill>
+                <a:srgbClr val="243F60"/>
+              </a:solidFill>
+              <a:miter lim="800000"/>
+              <a:headEnd/>
+              <a:tailEnd/>
+            </a:ln>
+          </p:spPr>
+          <p:txBody>
+            <a:bodyPr vert="horz" wrap="square" lIns="91440" tIns="45720" rIns="91440" bIns="45720" numCol="1" anchor="ctr" anchorCtr="0" compatLnSpc="1">
+              <a:prstTxWarp prst="textNoShape">
+                <a:avLst/>
+              </a:prstTxWarp>
+            </a:bodyPr>
+            <a:lstStyle/>
+            <a:p>
+              <a:pPr marL="0" marR="0" lvl="0" indent="0" algn="ctr" defTabSz="914400" rtl="0" eaLnBrk="1" fontAlgn="base" latinLnBrk="0" hangingPunct="1">
+                <a:lnSpc>
+                  <a:spcPct val="100000"/>
+                </a:lnSpc>
+                <a:spcBef>
+                  <a:spcPts val="500"/>
+                </a:spcBef>
+                <a:spcAft>
+                  <a:spcPts val="500"/>
+                </a:spcAft>
+                <a:buClrTx/>
+                <a:buSzTx/>
+                <a:buFontTx/>
+                <a:buNone/>
+                <a:tabLst/>
+              </a:pPr>
+              <a:r>
+                <a:rPr kumimoji="0" lang="ru-RU" sz="2000" b="0" i="0" u="none" strike="noStrike" cap="none" normalizeH="0" baseline="0" dirty="0" smtClean="0">
+                  <a:ln>
+                    <a:noFill/>
+                  </a:ln>
+                  <a:solidFill>
+                    <a:srgbClr val="FFFFFF"/>
+                  </a:solidFill>
+                  <a:effectLst/>
+                  <a:latin typeface="Calibri" pitchFamily="34" charset="0"/>
+                  <a:cs typeface="Arial" pitchFamily="34" charset="0"/>
+                </a:rPr>
+                <a:t>Графическая оболочка</a:t>
+              </a:r>
+              <a:endParaRPr kumimoji="0" lang="ru-RU" sz="2000" b="0" i="0" u="none" strike="noStrike" cap="none" normalizeH="0" baseline="0" dirty="0" smtClean="0">
+                <a:ln>
+                  <a:noFill/>
+                </a:ln>
+                <a:solidFill>
+                  <a:schemeClr val="tx1"/>
+                </a:solidFill>
+                <a:effectLst/>
+                <a:latin typeface="Arial" pitchFamily="34" charset="0"/>
+                <a:cs typeface="Arial" pitchFamily="34" charset="0"/>
+              </a:endParaRPr>
+            </a:p>
+          </p:txBody>
+        </p:sp>
+        <p:cxnSp>
+          <p:nvCxnSpPr>
+            <p:cNvPr id="17" name="Прямая со стрелкой 17"/>
+            <p:cNvCxnSpPr>
+              <a:cxnSpLocks noChangeShapeType="1"/>
+            </p:cNvCxnSpPr>
+            <p:nvPr/>
+          </p:nvCxnSpPr>
+          <p:spPr bwMode="auto">
+            <a:xfrm flipV="1">
+              <a:off x="18830" y="3077"/>
+              <a:ext cx="12735" cy="0"/>
+            </a:xfrm>
+            <a:prstGeom prst="straightConnector1">
+              <a:avLst/>
+            </a:prstGeom>
+            <a:noFill/>
+            <a:ln w="25400">
+              <a:solidFill>
+                <a:srgbClr val="8DB3E2"/>
+              </a:solidFill>
+              <a:round/>
+              <a:headEnd type="none" w="lg" len="lg"/>
+              <a:tailEnd type="triangle" w="lg" len="lg"/>
+            </a:ln>
+          </p:spPr>
+        </p:cxnSp>
+        <p:sp>
+          <p:nvSpPr>
+            <p:cNvPr id="18" name="TextBox 34"/>
+            <p:cNvSpPr txBox="1">
+              <a:spLocks noChangeArrowheads="1"/>
+            </p:cNvSpPr>
+            <p:nvPr/>
+          </p:nvSpPr>
+          <p:spPr bwMode="auto">
+            <a:xfrm>
+              <a:off x="20999" y="878"/>
+              <a:ext cx="7802" cy="2270"/>
+            </a:xfrm>
+            <a:prstGeom prst="rect">
+              <a:avLst/>
+            </a:prstGeom>
+            <a:noFill/>
+            <a:ln w="9525">
+              <a:noFill/>
+              <a:miter lim="800000"/>
+              <a:headEnd/>
+              <a:tailEnd/>
+            </a:ln>
+          </p:spPr>
+          <p:txBody>
+            <a:bodyPr vert="horz" wrap="none" lIns="91440" tIns="45720" rIns="91440" bIns="45720" numCol="1" anchor="t" anchorCtr="0" compatLnSpc="1">
+              <a:prstTxWarp prst="textNoShape">
+                <a:avLst/>
+              </a:prstTxWarp>
+              <a:spAutoFit/>
+            </a:bodyPr>
+            <a:lstStyle/>
+            <a:p>
+              <a:pPr marL="0" marR="0" lvl="0" indent="0" algn="ctr" defTabSz="914400" rtl="0" eaLnBrk="1" fontAlgn="base" latinLnBrk="0" hangingPunct="1">
+                <a:lnSpc>
+                  <a:spcPct val="100000"/>
+                </a:lnSpc>
+                <a:spcBef>
+                  <a:spcPts val="500"/>
+                </a:spcBef>
+                <a:spcAft>
+                  <a:spcPts val="500"/>
+                </a:spcAft>
+                <a:buClrTx/>
+                <a:buSzTx/>
+                <a:buFontTx/>
+                <a:buNone/>
+                <a:tabLst/>
+              </a:pPr>
+              <a:r>
+                <a:rPr lang="ru-RU" dirty="0" smtClean="0">
+                  <a:solidFill>
+                    <a:srgbClr val="000000"/>
+                  </a:solidFill>
+                  <a:latin typeface="Calibri" pitchFamily="34" charset="0"/>
+                  <a:cs typeface="Arial" pitchFamily="34" charset="0"/>
+                </a:rPr>
+                <a:t>позиция</a:t>
+              </a:r>
+              <a:endParaRPr kumimoji="0" lang="ru-RU" b="0" i="0" u="none" strike="noStrike" cap="none" normalizeH="0" baseline="0" dirty="0" smtClean="0">
+                <a:ln>
+                  <a:noFill/>
+                </a:ln>
+                <a:solidFill>
+                  <a:schemeClr val="tx1"/>
+                </a:solidFill>
+                <a:effectLst/>
+                <a:latin typeface="Arial" pitchFamily="34" charset="0"/>
+                <a:cs typeface="Arial" pitchFamily="34" charset="0"/>
+              </a:endParaRPr>
+            </a:p>
+          </p:txBody>
+        </p:sp>
+        <p:cxnSp>
+          <p:nvCxnSpPr>
+            <p:cNvPr id="19" name="Прямая со стрелкой 19"/>
+            <p:cNvCxnSpPr>
+              <a:cxnSpLocks noChangeShapeType="1"/>
+            </p:cNvCxnSpPr>
+            <p:nvPr/>
+          </p:nvCxnSpPr>
+          <p:spPr bwMode="auto">
+            <a:xfrm flipH="1">
+              <a:off x="18830" y="6900"/>
+              <a:ext cx="12735" cy="0"/>
+            </a:xfrm>
+            <a:prstGeom prst="straightConnector1">
+              <a:avLst/>
+            </a:prstGeom>
+            <a:noFill/>
+            <a:ln w="25400">
+              <a:solidFill>
+                <a:srgbClr val="8DB3E2"/>
+              </a:solidFill>
+              <a:round/>
+              <a:headEnd type="none" w="lg" len="lg"/>
+              <a:tailEnd type="triangle" w="lg" len="lg"/>
+            </a:ln>
+          </p:spPr>
+        </p:cxnSp>
+        <p:sp>
+          <p:nvSpPr>
+            <p:cNvPr id="20" name="TextBox 39"/>
+            <p:cNvSpPr txBox="1">
+              <a:spLocks noChangeArrowheads="1"/>
+            </p:cNvSpPr>
+            <p:nvPr/>
+          </p:nvSpPr>
+          <p:spPr bwMode="auto">
+            <a:xfrm>
+              <a:off x="19341" y="4824"/>
+              <a:ext cx="12410" cy="2270"/>
+            </a:xfrm>
+            <a:prstGeom prst="rect">
+              <a:avLst/>
+            </a:prstGeom>
+            <a:noFill/>
+            <a:ln w="9525">
+              <a:noFill/>
+              <a:miter lim="800000"/>
+              <a:headEnd/>
+              <a:tailEnd/>
+            </a:ln>
+          </p:spPr>
+          <p:txBody>
+            <a:bodyPr vert="horz" wrap="square" lIns="91440" tIns="45720" rIns="91440" bIns="45720" numCol="1" anchor="t" anchorCtr="0" compatLnSpc="1">
+              <a:prstTxWarp prst="textNoShape">
+                <a:avLst/>
+              </a:prstTxWarp>
+              <a:spAutoFit/>
+            </a:bodyPr>
+            <a:lstStyle/>
+            <a:p>
+              <a:pPr marL="0" marR="0" lvl="0" indent="0" algn="ctr" defTabSz="914400" rtl="0" eaLnBrk="1" fontAlgn="base" latinLnBrk="0" hangingPunct="1">
+                <a:lnSpc>
+                  <a:spcPct val="100000"/>
+                </a:lnSpc>
+                <a:spcBef>
+                  <a:spcPts val="500"/>
+                </a:spcBef>
+                <a:spcAft>
+                  <a:spcPts val="500"/>
+                </a:spcAft>
+                <a:buClrTx/>
+                <a:buSzTx/>
+                <a:buFontTx/>
+                <a:buNone/>
+                <a:tabLst/>
+              </a:pPr>
+              <a:r>
+                <a:rPr kumimoji="0" lang="ru-RU" b="0" i="0" u="none" strike="noStrike" cap="none" normalizeH="0" baseline="0" dirty="0" smtClean="0">
+                  <a:ln>
+                    <a:noFill/>
+                  </a:ln>
+                  <a:solidFill>
+                    <a:srgbClr val="000000"/>
+                  </a:solidFill>
+                  <a:effectLst/>
+                  <a:latin typeface="Calibri" pitchFamily="34" charset="0"/>
+                  <a:cs typeface="Arial" pitchFamily="34" charset="0"/>
+                </a:rPr>
+                <a:t>лучший</a:t>
+              </a:r>
+              <a:r>
+                <a:rPr kumimoji="0" lang="ru-RU" b="0" i="0" u="none" strike="noStrike" cap="none" normalizeH="0" dirty="0" smtClean="0">
+                  <a:ln>
+                    <a:noFill/>
+                  </a:ln>
+                  <a:solidFill>
+                    <a:srgbClr val="000000"/>
+                  </a:solidFill>
+                  <a:effectLst/>
+                  <a:latin typeface="Calibri" pitchFamily="34" charset="0"/>
+                  <a:cs typeface="Arial" pitchFamily="34" charset="0"/>
+                </a:rPr>
+                <a:t> ход</a:t>
+              </a:r>
+              <a:endParaRPr kumimoji="0" lang="ru-RU" b="0" i="0" u="none" strike="noStrike" cap="none" normalizeH="0" baseline="0" dirty="0" smtClean="0">
+                <a:ln>
+                  <a:noFill/>
+                </a:ln>
+                <a:solidFill>
+                  <a:schemeClr val="tx1"/>
+                </a:solidFill>
+                <a:effectLst/>
+                <a:latin typeface="Arial" pitchFamily="34" charset="0"/>
+                <a:cs typeface="Arial" pitchFamily="34" charset="0"/>
+              </a:endParaRPr>
+            </a:p>
+          </p:txBody>
+        </p:sp>
+      </p:grpSp>
+      <p:sp>
+        <p:nvSpPr>
+          <p:cNvPr id="10" name="TextBox 9"/>
+          <p:cNvSpPr txBox="1"/>
+          <p:nvPr/>
+        </p:nvSpPr>
+        <p:spPr>
+          <a:xfrm>
+            <a:off x="928662" y="1460360"/>
+            <a:ext cx="7572428" cy="1754326"/>
+          </a:xfrm>
+          <a:prstGeom prst="rect">
+            <a:avLst/>
+          </a:prstGeom>
+          <a:noFill/>
+        </p:spPr>
+        <p:txBody>
+          <a:bodyPr wrap="square" rtlCol="0">
+            <a:spAutoFit/>
+          </a:bodyPr>
+          <a:lstStyle/>
+          <a:p>
+            <a:r>
+              <a:rPr lang="ru-RU" dirty="0" smtClean="0"/>
+              <a:t>Проект состоит из двух частей — вычислительного ядра и графического интерфейса. В вычислительной </a:t>
+            </a:r>
+            <a:r>
+              <a:rPr lang="ru-RU" dirty="0" smtClean="0"/>
+              <a:t>части (С++) представлен искусственный </a:t>
+            </a:r>
+            <a:r>
+              <a:rPr lang="ru-RU" dirty="0" smtClean="0"/>
+              <a:t>интеллект для бота. Графическая </a:t>
+            </a:r>
+            <a:r>
+              <a:rPr lang="ru-RU" dirty="0" smtClean="0"/>
+              <a:t>оболочка (С</a:t>
+            </a:r>
+            <a:r>
+              <a:rPr lang="en-US" dirty="0" smtClean="0"/>
+              <a:t>#)</a:t>
+            </a:r>
+            <a:r>
+              <a:rPr lang="ru-RU" dirty="0" smtClean="0"/>
+              <a:t> </a:t>
+            </a:r>
+            <a:r>
+              <a:rPr lang="ru-RU" dirty="0" smtClean="0"/>
+              <a:t>предоставляет визуализацию игры, предоставляет настройки бота и дает возможность ходить реальному игроку.</a:t>
+            </a:r>
+          </a:p>
+          <a:p>
+            <a:endParaRPr lang="ru-RU" dirty="0"/>
+          </a:p>
+        </p:txBody>
+      </p:sp>
+    </p:spTree>
+  </p:cSld>
+  <p:clrMapOvr>
+    <a:masterClrMapping/>
+  </p:clrMapOvr>
+  <p:timing>
+    <p:tnLst>
+      <p:par>
+        <p:cTn id="1" dur="indefinite" restart="never" nodeType="tmRoot"/>
+      </p:par>
+    </p:tnLst>
+  </p:timing>
+</p:sld>
+</file>
+
 <file path=ppt/theme/theme1.xml><?xml version="1.0" encoding="utf-8"?>
 <a:theme xmlns:a="http://schemas.openxmlformats.org/drawingml/2006/main" name="Тема Office">
   <a:themeElements>
